--- a/draft-gandhi-mpls-rfc6374-sr-02.pptx
+++ b/draft-gandhi-mpls-rfc6374-sr-02.pptx
@@ -6551,7 +6551,7 @@
               <a:rPr lang="en-CA" sz="1200" dirty="0">
                 <a:latin typeface="Courier" pitchFamily="2" charset="0"/>
               </a:rPr>
-              <a:t>           Figure: Probe Packet Header for an SR-MPLS Link</a:t>
+              <a:t>           Figure: Probe Message Header for an SR-MPLS Link</a:t>
             </a:r>
             <a:endParaRPr lang="en-CA" sz="1200" b="1" dirty="0">
               <a:latin typeface="Courier" pitchFamily="2" charset="0"/>
@@ -7166,7 +7166,7 @@
                 <a:ea typeface="Calibri" panose="020F0502020204030204" pitchFamily="34" charset="0"/>
                 <a:cs typeface="Courier New" panose="02070309020205020404" pitchFamily="49" charset="0"/>
               </a:rPr>
-              <a:t>     Figure: Probe Packet Header for an End-to-end SR-MPLS Policy</a:t>
+              <a:t>     Figure: Probe Message Header for an End-to-end SR-MPLS Policy</a:t>
             </a:r>
             <a:endParaRPr lang="en-CA" sz="1100" dirty="0">
               <a:latin typeface="Courier New" panose="02070309020205020404" pitchFamily="49" charset="0"/>
@@ -8989,7 +8989,7 @@
             </a:pPr>
             <a:r>
               <a:rPr lang="en-US" sz="1800" dirty="0"/>
-              <a:t>Probe message carries the return path label stack in the header of the packet</a:t>
+              <a:t>Probe message carries the return path label stack in the header of the message</a:t>
             </a:r>
           </a:p>
         </p:txBody>

--- a/draft-gandhi-mpls-rfc6374-sr-02.pptx
+++ b/draft-gandhi-mpls-rfc6374-sr-02.pptx
@@ -6897,7 +6897,7 @@
             </a:pPr>
             <a:r>
               <a:rPr lang="en-CA" sz="1100" dirty="0">
-                <a:latin typeface="Courier New" panose="02070309020205020404" pitchFamily="49" charset="0"/>
+                <a:latin typeface="Courier" pitchFamily="2" charset="0"/>
                 <a:ea typeface="Calibri" panose="020F0502020204030204" pitchFamily="34" charset="0"/>
                 <a:cs typeface="Courier New" panose="02070309020205020404" pitchFamily="49" charset="0"/>
               </a:rPr>
@@ -6912,7 +6912,7 @@
             </a:pPr>
             <a:r>
               <a:rPr lang="en-CA" sz="1100" dirty="0">
-                <a:latin typeface="Courier New" panose="02070309020205020404" pitchFamily="49" charset="0"/>
+                <a:latin typeface="Courier" pitchFamily="2" charset="0"/>
                 <a:ea typeface="Calibri" panose="020F0502020204030204" pitchFamily="34" charset="0"/>
                 <a:cs typeface="Courier New" panose="02070309020205020404" pitchFamily="49" charset="0"/>
               </a:rPr>
@@ -6927,7 +6927,7 @@
             </a:pPr>
             <a:r>
               <a:rPr lang="en-CA" sz="1100" dirty="0">
-                <a:latin typeface="Courier New" panose="02070309020205020404" pitchFamily="49" charset="0"/>
+                <a:latin typeface="Courier" pitchFamily="2" charset="0"/>
                 <a:ea typeface="Calibri" panose="020F0502020204030204" pitchFamily="34" charset="0"/>
                 <a:cs typeface="Courier New" panose="02070309020205020404" pitchFamily="49" charset="0"/>
               </a:rPr>
@@ -6942,7 +6942,7 @@
             </a:pPr>
             <a:r>
               <a:rPr lang="en-CA" sz="1100" dirty="0">
-                <a:latin typeface="Courier New" panose="02070309020205020404" pitchFamily="49" charset="0"/>
+                <a:latin typeface="Courier" pitchFamily="2" charset="0"/>
                 <a:ea typeface="Calibri" panose="020F0502020204030204" pitchFamily="34" charset="0"/>
                 <a:cs typeface="Courier New" panose="02070309020205020404" pitchFamily="49" charset="0"/>
               </a:rPr>
@@ -6957,7 +6957,7 @@
             </a:pPr>
             <a:r>
               <a:rPr lang="en-CA" sz="1100" dirty="0">
-                <a:latin typeface="Courier New" panose="02070309020205020404" pitchFamily="49" charset="0"/>
+                <a:latin typeface="Courier" pitchFamily="2" charset="0"/>
                 <a:ea typeface="Calibri" panose="020F0502020204030204" pitchFamily="34" charset="0"/>
                 <a:cs typeface="Courier New" panose="02070309020205020404" pitchFamily="49" charset="0"/>
               </a:rPr>
@@ -6972,7 +6972,7 @@
             </a:pPr>
             <a:r>
               <a:rPr lang="en-CA" sz="1100" dirty="0">
-                <a:latin typeface="Courier New" panose="02070309020205020404" pitchFamily="49" charset="0"/>
+                <a:latin typeface="Courier" pitchFamily="2" charset="0"/>
                 <a:ea typeface="Calibri" panose="020F0502020204030204" pitchFamily="34" charset="0"/>
                 <a:cs typeface="Courier New" panose="02070309020205020404" pitchFamily="49" charset="0"/>
               </a:rPr>
@@ -6987,7 +6987,7 @@
             </a:pPr>
             <a:r>
               <a:rPr lang="en-CA" sz="1100" dirty="0">
-                <a:latin typeface="Courier New" panose="02070309020205020404" pitchFamily="49" charset="0"/>
+                <a:latin typeface="Courier" pitchFamily="2" charset="0"/>
                 <a:ea typeface="Calibri" panose="020F0502020204030204" pitchFamily="34" charset="0"/>
                 <a:cs typeface="Courier New" panose="02070309020205020404" pitchFamily="49" charset="0"/>
               </a:rPr>
@@ -7002,7 +7002,7 @@
             </a:pPr>
             <a:r>
               <a:rPr lang="en-CA" sz="1100" dirty="0">
-                <a:latin typeface="Courier New" panose="02070309020205020404" pitchFamily="49" charset="0"/>
+                <a:latin typeface="Courier" pitchFamily="2" charset="0"/>
                 <a:ea typeface="Calibri" panose="020F0502020204030204" pitchFamily="34" charset="0"/>
                 <a:cs typeface="Courier New" panose="02070309020205020404" pitchFamily="49" charset="0"/>
               </a:rPr>
@@ -7017,7 +7017,7 @@
             </a:pPr>
             <a:r>
               <a:rPr lang="en-CA" sz="1100" dirty="0">
-                <a:latin typeface="Courier New" panose="02070309020205020404" pitchFamily="49" charset="0"/>
+                <a:latin typeface="Courier" pitchFamily="2" charset="0"/>
                 <a:ea typeface="Calibri" panose="020F0502020204030204" pitchFamily="34" charset="0"/>
                 <a:cs typeface="Courier New" panose="02070309020205020404" pitchFamily="49" charset="0"/>
               </a:rPr>
@@ -7027,7 +7027,7 @@
           <a:p>
             <a:r>
               <a:rPr lang="en-CA" sz="1100" dirty="0">
-                <a:latin typeface="Courier New" panose="02070309020205020404" pitchFamily="49" charset="0"/>
+                <a:latin typeface="Courier" pitchFamily="2" charset="0"/>
                 <a:cs typeface="Courier New" panose="02070309020205020404" pitchFamily="49" charset="0"/>
               </a:rPr>
               <a:t>    +-+-+-+-+-+-+-+-+-+-+-+-+-+-+-+-+-+-+-+-+-+-+-+-+-+-+-+-+-+-+-+-+</a:t>
@@ -7036,7 +7036,7 @@
           <a:p>
             <a:r>
               <a:rPr lang="en-CA" sz="1100" dirty="0">
-                <a:latin typeface="Courier New" panose="02070309020205020404" pitchFamily="49" charset="0"/>
+                <a:latin typeface="Courier" pitchFamily="2" charset="0"/>
                 <a:cs typeface="Courier New" panose="02070309020205020404" pitchFamily="49" charset="0"/>
               </a:rPr>
               <a:t>    |                  </a:t>
@@ -7046,20 +7046,20 @@
                 <a:solidFill>
                   <a:srgbClr val="0070C0"/>
                 </a:solidFill>
-                <a:latin typeface="Courier New" panose="02070309020205020404" pitchFamily="49" charset="0"/>
+                <a:latin typeface="Courier" pitchFamily="2" charset="0"/>
                 <a:cs typeface="Courier New" panose="02070309020205020404" pitchFamily="49" charset="0"/>
               </a:rPr>
               <a:t>PSID   </a:t>
             </a:r>
             <a:r>
               <a:rPr lang="en-CA" sz="1100" dirty="0">
-                <a:latin typeface="Courier New" panose="02070309020205020404" pitchFamily="49" charset="0"/>
+                <a:latin typeface="Courier" pitchFamily="2" charset="0"/>
                 <a:cs typeface="Courier New" panose="02070309020205020404" pitchFamily="49" charset="0"/>
               </a:rPr>
               <a:t>              | TC  |S|      TTL      |</a:t>
             </a:r>
             <a:endParaRPr lang="en-CA" sz="1100" dirty="0">
-              <a:latin typeface="Courier New" panose="02070309020205020404" pitchFamily="49" charset="0"/>
+              <a:latin typeface="Courier" pitchFamily="2" charset="0"/>
               <a:ea typeface="Calibri" panose="020F0502020204030204" pitchFamily="34" charset="0"/>
               <a:cs typeface="Courier New" panose="02070309020205020404" pitchFamily="49" charset="0"/>
             </a:endParaRPr>
@@ -7072,7 +7072,7 @@
             </a:pPr>
             <a:r>
               <a:rPr lang="en-CA" sz="1100" dirty="0">
-                <a:latin typeface="Courier New" panose="02070309020205020404" pitchFamily="49" charset="0"/>
+                <a:latin typeface="Courier" pitchFamily="2" charset="0"/>
                 <a:ea typeface="Calibri" panose="020F0502020204030204" pitchFamily="34" charset="0"/>
                 <a:cs typeface="Courier New" panose="02070309020205020404" pitchFamily="49" charset="0"/>
               </a:rPr>
@@ -7087,7 +7087,7 @@
             </a:pPr>
             <a:r>
               <a:rPr lang="en-CA" sz="1100" dirty="0">
-                <a:latin typeface="Courier New" panose="02070309020205020404" pitchFamily="49" charset="0"/>
+                <a:latin typeface="Courier" pitchFamily="2" charset="0"/>
                 <a:ea typeface="Calibri" panose="020F0502020204030204" pitchFamily="34" charset="0"/>
                 <a:cs typeface="Courier New" panose="02070309020205020404" pitchFamily="49" charset="0"/>
               </a:rPr>
@@ -7102,7 +7102,7 @@
             </a:pPr>
             <a:r>
               <a:rPr lang="en-CA" sz="1100" dirty="0">
-                <a:latin typeface="Courier New" panose="02070309020205020404" pitchFamily="49" charset="0"/>
+                <a:latin typeface="Courier" pitchFamily="2" charset="0"/>
                 <a:ea typeface="Calibri" panose="020F0502020204030204" pitchFamily="34" charset="0"/>
                 <a:cs typeface="Courier New" panose="02070309020205020404" pitchFamily="49" charset="0"/>
               </a:rPr>
@@ -7117,7 +7117,7 @@
             </a:pPr>
             <a:r>
               <a:rPr lang="en-CA" sz="1100" dirty="0">
-                <a:latin typeface="Courier New" panose="02070309020205020404" pitchFamily="49" charset="0"/>
+                <a:latin typeface="Courier" pitchFamily="2" charset="0"/>
                 <a:ea typeface="Calibri" panose="020F0502020204030204" pitchFamily="34" charset="0"/>
                 <a:cs typeface="Courier New" panose="02070309020205020404" pitchFamily="49" charset="0"/>
               </a:rPr>
@@ -7132,7 +7132,7 @@
             </a:pPr>
             <a:r>
               <a:rPr lang="en-CA" sz="1100" dirty="0">
-                <a:latin typeface="Courier New" panose="02070309020205020404" pitchFamily="49" charset="0"/>
+                <a:latin typeface="Courier" pitchFamily="2" charset="0"/>
                 <a:ea typeface="Calibri" panose="020F0502020204030204" pitchFamily="34" charset="0"/>
                 <a:cs typeface="Courier New" panose="02070309020205020404" pitchFamily="49" charset="0"/>
               </a:rPr>
@@ -7147,7 +7147,7 @@
             </a:pPr>
             <a:r>
               <a:rPr lang="en-CA" sz="1100" dirty="0">
-                <a:latin typeface="Courier New" panose="02070309020205020404" pitchFamily="49" charset="0"/>
+                <a:latin typeface="Courier" pitchFamily="2" charset="0"/>
                 <a:ea typeface="Calibri" panose="020F0502020204030204" pitchFamily="34" charset="0"/>
                 <a:cs typeface="Courier New" panose="02070309020205020404" pitchFamily="49" charset="0"/>
               </a:rPr>
@@ -7162,14 +7162,14 @@
             </a:pPr>
             <a:r>
               <a:rPr lang="en-CA" sz="1100" dirty="0">
-                <a:latin typeface="Courier New" panose="02070309020205020404" pitchFamily="49" charset="0"/>
+                <a:latin typeface="Courier" pitchFamily="2" charset="0"/>
                 <a:ea typeface="Calibri" panose="020F0502020204030204" pitchFamily="34" charset="0"/>
                 <a:cs typeface="Courier New" panose="02070309020205020404" pitchFamily="49" charset="0"/>
               </a:rPr>
               <a:t>     Figure: Probe Message Header for an End-to-end SR-MPLS Policy</a:t>
             </a:r>
             <a:endParaRPr lang="en-CA" sz="1100" dirty="0">
-              <a:latin typeface="Courier New" panose="02070309020205020404" pitchFamily="49" charset="0"/>
+              <a:latin typeface="Courier" pitchFamily="2" charset="0"/>
               <a:cs typeface="Courier New" panose="02070309020205020404" pitchFamily="49" charset="0"/>
             </a:endParaRPr>
           </a:p>
@@ -7596,8 +7596,8 @@
         </p:nvSpPr>
         <p:spPr>
           <a:xfrm>
-            <a:off x="685800" y="895350"/>
-            <a:ext cx="8001000" cy="3581400"/>
+            <a:off x="685800" y="971550"/>
+            <a:ext cx="8001000" cy="2971800"/>
           </a:xfrm>
         </p:spPr>
         <p:txBody>
@@ -7620,29 +7620,7 @@
                   <a:schemeClr val="tx2"/>
                 </a:solidFill>
               </a:rPr>
-              <a:t>Keep SPRING WG in the loop for SR aspects</a:t>
-            </a:r>
-          </a:p>
-          <a:p>
-            <a:pPr lvl="1"/>
-            <a:r>
-              <a:rPr lang="en-US" sz="2400" dirty="0">
-                <a:solidFill>
-                  <a:schemeClr val="tx2"/>
-                </a:solidFill>
-              </a:rPr>
-              <a:t>Post draft updates to SPRING mailing list as well</a:t>
-            </a:r>
-          </a:p>
-          <a:p>
-            <a:pPr lvl="1"/>
-            <a:r>
-              <a:rPr lang="en-US" sz="2400" dirty="0">
-                <a:solidFill>
-                  <a:schemeClr val="tx2"/>
-                </a:solidFill>
-              </a:rPr>
-              <a:t>Inform SPRING WG about the milestones (adoption, Last Call)</a:t>
+              <a:t>Draft to progress in MPLS WG</a:t>
             </a:r>
             <a:endParaRPr lang="en-CA" sz="2400" dirty="0">
               <a:solidFill>
@@ -9135,7 +9113,7 @@
             </a:pPr>
             <a:r>
               <a:rPr lang="en-CA" sz="900" dirty="0">
-                <a:latin typeface="Courier New" panose="02070309020205020404" pitchFamily="49" charset="0"/>
+                <a:latin typeface="Courier" pitchFamily="2" charset="0"/>
                 <a:ea typeface="Calibri" panose="020F0502020204030204" pitchFamily="34" charset="0"/>
                 <a:cs typeface="Courier New" panose="02070309020205020404" pitchFamily="49" charset="0"/>
               </a:rPr>
@@ -9150,7 +9128,7 @@
             </a:pPr>
             <a:r>
               <a:rPr lang="en-CA" sz="900" dirty="0">
-                <a:latin typeface="Courier New" panose="02070309020205020404" pitchFamily="49" charset="0"/>
+                <a:latin typeface="Courier" pitchFamily="2" charset="0"/>
                 <a:ea typeface="Calibri" panose="020F0502020204030204" pitchFamily="34" charset="0"/>
                 <a:cs typeface="Courier New" panose="02070309020205020404" pitchFamily="49" charset="0"/>
               </a:rPr>
@@ -9165,7 +9143,7 @@
             </a:pPr>
             <a:r>
               <a:rPr lang="en-CA" sz="900" dirty="0">
-                <a:latin typeface="Courier New" panose="02070309020205020404" pitchFamily="49" charset="0"/>
+                <a:latin typeface="Courier" pitchFamily="2" charset="0"/>
                 <a:ea typeface="Calibri" panose="020F0502020204030204" pitchFamily="34" charset="0"/>
                 <a:cs typeface="Courier New" panose="02070309020205020404" pitchFamily="49" charset="0"/>
               </a:rPr>
@@ -9180,7 +9158,7 @@
             </a:pPr>
             <a:r>
               <a:rPr lang="en-CA" sz="900" dirty="0">
-                <a:latin typeface="Courier New" panose="02070309020205020404" pitchFamily="49" charset="0"/>
+                <a:latin typeface="Courier" pitchFamily="2" charset="0"/>
                 <a:ea typeface="Calibri" panose="020F0502020204030204" pitchFamily="34" charset="0"/>
                 <a:cs typeface="Courier New" panose="02070309020205020404" pitchFamily="49" charset="0"/>
               </a:rPr>
@@ -9195,7 +9173,7 @@
             </a:pPr>
             <a:r>
               <a:rPr lang="en-CA" sz="900" dirty="0">
-                <a:latin typeface="Courier New" panose="02070309020205020404" pitchFamily="49" charset="0"/>
+                <a:latin typeface="Courier" pitchFamily="2" charset="0"/>
                 <a:ea typeface="Calibri" panose="020F0502020204030204" pitchFamily="34" charset="0"/>
                 <a:cs typeface="Courier New" panose="02070309020205020404" pitchFamily="49" charset="0"/>
               </a:rPr>
@@ -9210,7 +9188,7 @@
             </a:pPr>
             <a:r>
               <a:rPr lang="en-CA" sz="900" dirty="0">
-                <a:latin typeface="Courier New" panose="02070309020205020404" pitchFamily="49" charset="0"/>
+                <a:latin typeface="Courier" pitchFamily="2" charset="0"/>
                 <a:ea typeface="Calibri" panose="020F0502020204030204" pitchFamily="34" charset="0"/>
                 <a:cs typeface="Courier New" panose="02070309020205020404" pitchFamily="49" charset="0"/>
               </a:rPr>
@@ -9225,7 +9203,7 @@
             </a:pPr>
             <a:r>
               <a:rPr lang="en-CA" sz="900" dirty="0">
-                <a:latin typeface="Courier New" panose="02070309020205020404" pitchFamily="49" charset="0"/>
+                <a:latin typeface="Courier" pitchFamily="2" charset="0"/>
                 <a:ea typeface="Calibri" panose="020F0502020204030204" pitchFamily="34" charset="0"/>
                 <a:cs typeface="Courier New" panose="02070309020205020404" pitchFamily="49" charset="0"/>
               </a:rPr>
@@ -9240,7 +9218,7 @@
             </a:pPr>
             <a:r>
               <a:rPr lang="en-CA" sz="900" dirty="0">
-                <a:latin typeface="Courier New" panose="02070309020205020404" pitchFamily="49" charset="0"/>
+                <a:latin typeface="Courier" pitchFamily="2" charset="0"/>
                 <a:ea typeface="Calibri" panose="020F0502020204030204" pitchFamily="34" charset="0"/>
                 <a:cs typeface="Courier New" panose="02070309020205020404" pitchFamily="49" charset="0"/>
               </a:rPr>
@@ -9255,7 +9233,7 @@
             </a:pPr>
             <a:r>
               <a:rPr lang="en-CA" sz="900" dirty="0">
-                <a:latin typeface="Courier New" panose="02070309020205020404" pitchFamily="49" charset="0"/>
+                <a:latin typeface="Courier" pitchFamily="2" charset="0"/>
                 <a:ea typeface="Calibri" panose="020F0502020204030204" pitchFamily="34" charset="0"/>
                 <a:cs typeface="Courier New" panose="02070309020205020404" pitchFamily="49" charset="0"/>
               </a:rPr>
@@ -9270,7 +9248,7 @@
             </a:pPr>
             <a:r>
               <a:rPr lang="en-CA" sz="900" dirty="0">
-                <a:latin typeface="Courier New" panose="02070309020205020404" pitchFamily="49" charset="0"/>
+                <a:latin typeface="Courier" pitchFamily="2" charset="0"/>
                 <a:ea typeface="Calibri" panose="020F0502020204030204" pitchFamily="34" charset="0"/>
                 <a:cs typeface="Courier New" panose="02070309020205020404" pitchFamily="49" charset="0"/>
               </a:rPr>
@@ -9285,7 +9263,7 @@
             </a:pPr>
             <a:r>
               <a:rPr lang="en-CA" sz="900" dirty="0">
-                <a:latin typeface="Courier New" panose="02070309020205020404" pitchFamily="49" charset="0"/>
+                <a:latin typeface="Courier" pitchFamily="2" charset="0"/>
                 <a:ea typeface="Calibri" panose="020F0502020204030204" pitchFamily="34" charset="0"/>
                 <a:cs typeface="Courier New" panose="02070309020205020404" pitchFamily="49" charset="0"/>
               </a:rPr>
@@ -9300,7 +9278,7 @@
             </a:pPr>
             <a:r>
               <a:rPr lang="en-CA" sz="900" dirty="0">
-                <a:latin typeface="Courier New" panose="02070309020205020404" pitchFamily="49" charset="0"/>
+                <a:latin typeface="Courier" pitchFamily="2" charset="0"/>
                 <a:ea typeface="Calibri" panose="020F0502020204030204" pitchFamily="34" charset="0"/>
                 <a:cs typeface="Courier New" panose="02070309020205020404" pitchFamily="49" charset="0"/>
               </a:rPr>
@@ -9315,7 +9293,7 @@
             </a:pPr>
             <a:r>
               <a:rPr lang="en-CA" sz="900" dirty="0">
-                <a:latin typeface="Courier New" panose="02070309020205020404" pitchFamily="49" charset="0"/>
+                <a:latin typeface="Courier" pitchFamily="2" charset="0"/>
                 <a:ea typeface="Calibri" panose="020F0502020204030204" pitchFamily="34" charset="0"/>
                 <a:cs typeface="Courier New" panose="02070309020205020404" pitchFamily="49" charset="0"/>
               </a:rPr>
@@ -9330,7 +9308,7 @@
             </a:pPr>
             <a:r>
               <a:rPr lang="en-CA" sz="900" dirty="0">
-                <a:latin typeface="Courier New" panose="02070309020205020404" pitchFamily="49" charset="0"/>
+                <a:latin typeface="Courier" pitchFamily="2" charset="0"/>
                 <a:ea typeface="Calibri" panose="020F0502020204030204" pitchFamily="34" charset="0"/>
                 <a:cs typeface="Courier New" panose="02070309020205020404" pitchFamily="49" charset="0"/>
               </a:rPr>
@@ -9345,7 +9323,7 @@
             </a:pPr>
             <a:r>
               <a:rPr lang="en-CA" sz="900" dirty="0">
-                <a:latin typeface="Courier New" panose="02070309020205020404" pitchFamily="49" charset="0"/>
+                <a:latin typeface="Courier" pitchFamily="2" charset="0"/>
                 <a:ea typeface="Calibri" panose="020F0502020204030204" pitchFamily="34" charset="0"/>
                 <a:cs typeface="Courier New" panose="02070309020205020404" pitchFamily="49" charset="0"/>
               </a:rPr>
@@ -9356,7 +9334,7 @@
                 <a:solidFill>
                   <a:srgbClr val="0070C0"/>
                 </a:solidFill>
-                <a:latin typeface="Courier New" panose="02070309020205020404" pitchFamily="49" charset="0"/>
+                <a:latin typeface="Courier" pitchFamily="2" charset="0"/>
                 <a:ea typeface="Calibri" panose="020F0502020204030204" pitchFamily="34" charset="0"/>
                 <a:cs typeface="Courier New" panose="02070309020205020404" pitchFamily="49" charset="0"/>
               </a:rPr>
@@ -9364,7 +9342,7 @@
             </a:r>
             <a:r>
               <a:rPr lang="en-CA" sz="900" dirty="0">
-                <a:latin typeface="Courier New" panose="02070309020205020404" pitchFamily="49" charset="0"/>
+                <a:latin typeface="Courier" pitchFamily="2" charset="0"/>
                 <a:ea typeface="Calibri" panose="020F0502020204030204" pitchFamily="34" charset="0"/>
                 <a:cs typeface="Courier New" panose="02070309020205020404" pitchFamily="49" charset="0"/>
               </a:rPr>
@@ -9379,7 +9357,7 @@
             </a:pPr>
             <a:r>
               <a:rPr lang="en-CA" sz="900" dirty="0">
-                <a:latin typeface="Courier New" panose="02070309020205020404" pitchFamily="49" charset="0"/>
+                <a:latin typeface="Courier" pitchFamily="2" charset="0"/>
                 <a:ea typeface="Calibri" panose="020F0502020204030204" pitchFamily="34" charset="0"/>
                 <a:cs typeface="Courier New" panose="02070309020205020404" pitchFamily="49" charset="0"/>
               </a:rPr>
@@ -9394,7 +9372,7 @@
             </a:pPr>
             <a:r>
               <a:rPr lang="en-CA" sz="900" dirty="0">
-                <a:latin typeface="Courier New" panose="02070309020205020404" pitchFamily="49" charset="0"/>
+                <a:latin typeface="Courier" pitchFamily="2" charset="0"/>
                 <a:ea typeface="Calibri" panose="020F0502020204030204" pitchFamily="34" charset="0"/>
                 <a:cs typeface="Courier New" panose="02070309020205020404" pitchFamily="49" charset="0"/>
               </a:rPr>
@@ -9409,7 +9387,7 @@
             </a:pPr>
             <a:r>
               <a:rPr lang="en-CA" sz="900" dirty="0">
-                <a:latin typeface="Courier New" panose="02070309020205020404" pitchFamily="49" charset="0"/>
+                <a:latin typeface="Courier" pitchFamily="2" charset="0"/>
                 <a:ea typeface="Calibri" panose="020F0502020204030204" pitchFamily="34" charset="0"/>
                 <a:cs typeface="Courier New" panose="02070309020205020404" pitchFamily="49" charset="0"/>
               </a:rPr>
@@ -9424,7 +9402,7 @@
             </a:pPr>
             <a:r>
               <a:rPr lang="en-CA" sz="900" dirty="0">
-                <a:latin typeface="Courier New" panose="02070309020205020404" pitchFamily="49" charset="0"/>
+                <a:latin typeface="Courier" pitchFamily="2" charset="0"/>
                 <a:ea typeface="Calibri" panose="020F0502020204030204" pitchFamily="34" charset="0"/>
                 <a:cs typeface="Courier New" panose="02070309020205020404" pitchFamily="49" charset="0"/>
               </a:rPr>
@@ -9439,7 +9417,7 @@
             </a:pPr>
             <a:r>
               <a:rPr lang="en-CA" sz="900" dirty="0">
-                <a:latin typeface="Courier New" panose="02070309020205020404" pitchFamily="49" charset="0"/>
+                <a:latin typeface="Courier" pitchFamily="2" charset="0"/>
                 <a:ea typeface="Calibri" panose="020F0502020204030204" pitchFamily="34" charset="0"/>
                 <a:cs typeface="Courier New" panose="02070309020205020404" pitchFamily="49" charset="0"/>
               </a:rPr>
@@ -9454,7 +9432,7 @@
             </a:pPr>
             <a:r>
               <a:rPr lang="en-CA" sz="900" dirty="0">
-                <a:latin typeface="Courier New" panose="02070309020205020404" pitchFamily="49" charset="0"/>
+                <a:latin typeface="Courier" pitchFamily="2" charset="0"/>
                 <a:ea typeface="Calibri" panose="020F0502020204030204" pitchFamily="34" charset="0"/>
                 <a:cs typeface="Courier New" panose="02070309020205020404" pitchFamily="49" charset="0"/>
               </a:rPr>
@@ -9469,7 +9447,7 @@
             </a:pPr>
             <a:r>
               <a:rPr lang="en-CA" sz="900" dirty="0">
-                <a:latin typeface="Courier New" panose="02070309020205020404" pitchFamily="49" charset="0"/>
+                <a:latin typeface="Courier" pitchFamily="2" charset="0"/>
                 <a:ea typeface="Calibri" panose="020F0502020204030204" pitchFamily="34" charset="0"/>
                 <a:cs typeface="Courier New" panose="02070309020205020404" pitchFamily="49" charset="0"/>
               </a:rPr>
@@ -9484,7 +9462,7 @@
             </a:pPr>
             <a:r>
               <a:rPr lang="en-CA" sz="900" dirty="0">
-                <a:latin typeface="Courier New" panose="02070309020205020404" pitchFamily="49" charset="0"/>
+                <a:latin typeface="Courier" pitchFamily="2" charset="0"/>
                 <a:ea typeface="Calibri" panose="020F0502020204030204" pitchFamily="34" charset="0"/>
                 <a:cs typeface="Courier New" panose="02070309020205020404" pitchFamily="49" charset="0"/>
               </a:rPr>
@@ -9499,7 +9477,7 @@
             </a:pPr>
             <a:r>
               <a:rPr lang="en-CA" sz="900" dirty="0">
-                <a:latin typeface="Courier New" panose="02070309020205020404" pitchFamily="49" charset="0"/>
+                <a:latin typeface="Courier" pitchFamily="2" charset="0"/>
                 <a:ea typeface="Calibri" panose="020F0502020204030204" pitchFamily="34" charset="0"/>
                 <a:cs typeface="Courier New" panose="02070309020205020404" pitchFamily="49" charset="0"/>
               </a:rPr>
@@ -9514,7 +9492,7 @@
             </a:pPr>
             <a:r>
               <a:rPr lang="en-CA" sz="900" dirty="0">
-                <a:latin typeface="Courier New" panose="02070309020205020404" pitchFamily="49" charset="0"/>
+                <a:latin typeface="Courier" pitchFamily="2" charset="0"/>
                 <a:ea typeface="Calibri" panose="020F0502020204030204" pitchFamily="34" charset="0"/>
                 <a:cs typeface="Courier New" panose="02070309020205020404" pitchFamily="49" charset="0"/>
               </a:rPr>
@@ -9529,7 +9507,7 @@
             </a:pPr>
             <a:r>
               <a:rPr lang="en-CA" sz="900" dirty="0">
-                <a:latin typeface="Courier New" panose="02070309020205020404" pitchFamily="49" charset="0"/>
+                <a:latin typeface="Courier" pitchFamily="2" charset="0"/>
                 <a:ea typeface="Calibri" panose="020F0502020204030204" pitchFamily="34" charset="0"/>
                 <a:cs typeface="Courier New" panose="02070309020205020404" pitchFamily="49" charset="0"/>
               </a:rPr>
@@ -9544,7 +9522,7 @@
             </a:pPr>
             <a:r>
               <a:rPr lang="en-CA" sz="900" dirty="0">
-                <a:latin typeface="Courier New" panose="02070309020205020404" pitchFamily="49" charset="0"/>
+                <a:latin typeface="Courier" pitchFamily="2" charset="0"/>
                 <a:ea typeface="Calibri" panose="020F0502020204030204" pitchFamily="34" charset="0"/>
                 <a:cs typeface="Courier New" panose="02070309020205020404" pitchFamily="49" charset="0"/>
               </a:rPr>
@@ -9559,14 +9537,14 @@
             </a:pPr>
             <a:r>
               <a:rPr lang="en-CA" sz="900" dirty="0">
-                <a:latin typeface="Courier New" panose="02070309020205020404" pitchFamily="49" charset="0"/>
+                <a:latin typeface="Courier" pitchFamily="2" charset="0"/>
                 <a:ea typeface="Calibri" panose="020F0502020204030204" pitchFamily="34" charset="0"/>
                 <a:cs typeface="Courier New" panose="02070309020205020404" pitchFamily="49" charset="0"/>
               </a:rPr>
               <a:t>           Figure: Segment List Sub-TLV in Return Path TLV</a:t>
             </a:r>
             <a:endParaRPr lang="en-CA" sz="900" dirty="0">
-              <a:latin typeface="Courier New" panose="02070309020205020404" pitchFamily="49" charset="0"/>
+              <a:latin typeface="Courier" pitchFamily="2" charset="0"/>
               <a:cs typeface="Courier New" panose="02070309020205020404" pitchFamily="49" charset="0"/>
             </a:endParaRPr>
           </a:p>

--- a/draft-gandhi-mpls-rfc6374-sr-02.pptx
+++ b/draft-gandhi-mpls-rfc6374-sr-02.pptx
@@ -5937,7 +5937,7 @@
             <a:pPr lvl="0"/>
             <a:r>
               <a:rPr lang="en-US" sz="2400" dirty="0"/>
-              <a:t>Has been implemented</a:t>
+              <a:t>Implementation exists</a:t>
             </a:r>
             <a:endParaRPr lang="en-US" sz="2400" dirty="0">
               <a:latin typeface="Calibri" charset="0"/>

--- a/draft-gandhi-mpls-rfc6374-sr-02.pptx
+++ b/draft-gandhi-mpls-rfc6374-sr-02.pptx
@@ -2115,7 +2115,7 @@
             </a:pPr>
             <a:r>
               <a:rPr lang="en-US" altLang="zh-CN" dirty="0"/>
-              <a:t>106</a:t>
+              <a:t>107</a:t>
             </a:r>
             <a:r>
               <a:rPr lang="en-US" altLang="zh-CN" baseline="30000" dirty="0"/>
@@ -2123,7 +2123,7 @@
             </a:r>
             <a:r>
               <a:rPr lang="en-US" altLang="zh-CN" dirty="0"/>
-              <a:t> IETF @ Singapore</a:t>
+              <a:t> IETF @ Vancouver</a:t>
             </a:r>
           </a:p>
         </p:txBody>
@@ -2376,7 +2376,7 @@
             </a:pPr>
             <a:r>
               <a:rPr lang="en-US" altLang="zh-CN" dirty="0"/>
-              <a:t>106</a:t>
+              <a:t>107</a:t>
             </a:r>
             <a:r>
               <a:rPr lang="en-US" altLang="zh-CN" baseline="30000" dirty="0"/>
@@ -2384,7 +2384,7 @@
             </a:r>
             <a:r>
               <a:rPr lang="en-US" altLang="zh-CN" dirty="0"/>
-              <a:t> IETF @ Singapore</a:t>
+              <a:t> IETF @ Vancouver</a:t>
             </a:r>
           </a:p>
         </p:txBody>
@@ -2596,7 +2596,7 @@
             </a:pPr>
             <a:r>
               <a:rPr lang="en-US" altLang="zh-CN" dirty="0"/>
-              <a:t>106</a:t>
+              <a:t>107</a:t>
             </a:r>
             <a:r>
               <a:rPr lang="en-US" altLang="zh-CN" baseline="30000" dirty="0"/>
@@ -2604,7 +2604,7 @@
             </a:r>
             <a:r>
               <a:rPr lang="en-US" altLang="zh-CN" dirty="0"/>
-              <a:t> IETF @ Singapore</a:t>
+              <a:t> IETF @ Vancouver</a:t>
             </a:r>
           </a:p>
         </p:txBody>
@@ -2830,7 +2830,7 @@
             </a:pPr>
             <a:r>
               <a:rPr lang="en-US" altLang="zh-CN" dirty="0"/>
-              <a:t>106</a:t>
+              <a:t>107</a:t>
             </a:r>
             <a:r>
               <a:rPr lang="en-US" altLang="zh-CN" baseline="30000" dirty="0"/>
@@ -2838,7 +2838,7 @@
             </a:r>
             <a:r>
               <a:rPr lang="en-US" altLang="zh-CN" dirty="0"/>
-              <a:t> IETF @ Singapore</a:t>
+              <a:t> IETF @ Vancouver</a:t>
             </a:r>
           </a:p>
         </p:txBody>
@@ -3054,7 +3054,7 @@
             </a:pPr>
             <a:r>
               <a:rPr lang="en-US" altLang="zh-CN" dirty="0"/>
-              <a:t>106</a:t>
+              <a:t>107</a:t>
             </a:r>
             <a:r>
               <a:rPr lang="en-US" altLang="zh-CN" baseline="30000" dirty="0"/>
@@ -3062,7 +3062,7 @@
             </a:r>
             <a:r>
               <a:rPr lang="en-US" altLang="zh-CN" dirty="0"/>
-              <a:t> IETF @ Singapore</a:t>
+              <a:t> IETF @ Vancouver</a:t>
             </a:r>
           </a:p>
         </p:txBody>
@@ -3189,7 +3189,7 @@
             </a:pPr>
             <a:r>
               <a:rPr lang="en-US" altLang="zh-CN" dirty="0"/>
-              <a:t>106</a:t>
+              <a:t>107</a:t>
             </a:r>
             <a:r>
               <a:rPr lang="en-US" altLang="zh-CN" baseline="30000" dirty="0"/>
@@ -3197,7 +3197,7 @@
             </a:r>
             <a:r>
               <a:rPr lang="en-US" altLang="zh-CN" dirty="0"/>
-              <a:t> IETF @ Singapore</a:t>
+              <a:t> IETF @ Vancouver</a:t>
             </a:r>
           </a:p>
         </p:txBody>
@@ -3389,7 +3389,7 @@
             </a:pPr>
             <a:r>
               <a:rPr lang="en-US" altLang="zh-CN" dirty="0"/>
-              <a:t>106</a:t>
+              <a:t>107</a:t>
             </a:r>
             <a:r>
               <a:rPr lang="en-US" altLang="zh-CN" baseline="30000" dirty="0"/>
@@ -3397,7 +3397,7 @@
             </a:r>
             <a:r>
               <a:rPr lang="en-US" altLang="zh-CN" dirty="0"/>
-              <a:t> IETF @ Singapore</a:t>
+              <a:t> IETF @ Vancouver</a:t>
             </a:r>
           </a:p>
         </p:txBody>
@@ -3678,7 +3678,7 @@
             </a:pPr>
             <a:r>
               <a:rPr lang="en-US" altLang="zh-CN" dirty="0"/>
-              <a:t>106</a:t>
+              <a:t>107</a:t>
             </a:r>
             <a:r>
               <a:rPr lang="en-US" altLang="zh-CN" baseline="30000" dirty="0"/>
@@ -3686,7 +3686,7 @@
             </a:r>
             <a:r>
               <a:rPr lang="en-US" altLang="zh-CN" dirty="0"/>
-              <a:t> IETF @ Singapore</a:t>
+              <a:t> IETF @ Vancouver</a:t>
             </a:r>
           </a:p>
         </p:txBody>
@@ -4101,7 +4101,7 @@
             </a:pPr>
             <a:r>
               <a:rPr lang="en-US" altLang="zh-CN" dirty="0"/>
-              <a:t>106</a:t>
+              <a:t>107</a:t>
             </a:r>
             <a:r>
               <a:rPr lang="en-US" altLang="zh-CN" baseline="30000" dirty="0"/>
@@ -4109,7 +4109,7 @@
             </a:r>
             <a:r>
               <a:rPr lang="en-US" altLang="zh-CN" dirty="0"/>
-              <a:t> IETF @ Singapore</a:t>
+              <a:t> IETF @ Vancouver</a:t>
             </a:r>
           </a:p>
         </p:txBody>
@@ -4222,7 +4222,7 @@
             </a:pPr>
             <a:r>
               <a:rPr lang="en-US" altLang="zh-CN" dirty="0"/>
-              <a:t>106</a:t>
+              <a:t>107</a:t>
             </a:r>
             <a:r>
               <a:rPr lang="en-US" altLang="zh-CN" baseline="30000" dirty="0"/>
@@ -4230,7 +4230,7 @@
             </a:r>
             <a:r>
               <a:rPr lang="en-US" altLang="zh-CN" dirty="0"/>
-              <a:t> IETF @ Singapore</a:t>
+              <a:t> IETF @ Vancouver</a:t>
             </a:r>
           </a:p>
         </p:txBody>
@@ -4321,7 +4321,7 @@
             </a:pPr>
             <a:r>
               <a:rPr lang="en-US" altLang="zh-CN" dirty="0"/>
-              <a:t>106</a:t>
+              <a:t>107</a:t>
             </a:r>
             <a:r>
               <a:rPr lang="en-US" altLang="zh-CN" baseline="30000" dirty="0"/>
@@ -4329,7 +4329,7 @@
             </a:r>
             <a:r>
               <a:rPr lang="en-US" altLang="zh-CN" dirty="0"/>
-              <a:t> IETF @ Singapore</a:t>
+              <a:t> IETF @ Vancouver</a:t>
             </a:r>
           </a:p>
         </p:txBody>
@@ -4600,7 +4600,7 @@
             </a:pPr>
             <a:r>
               <a:rPr lang="en-US" altLang="zh-CN" dirty="0"/>
-              <a:t>106</a:t>
+              <a:t>107</a:t>
             </a:r>
             <a:r>
               <a:rPr lang="en-US" altLang="zh-CN" baseline="30000" dirty="0"/>
@@ -4608,7 +4608,7 @@
             </a:r>
             <a:r>
               <a:rPr lang="en-US" altLang="zh-CN" dirty="0"/>
-              <a:t> IETF @ Singapore</a:t>
+              <a:t> IETF @ Vancouver</a:t>
             </a:r>
           </a:p>
         </p:txBody>
@@ -4841,7 +4841,7 @@
             </a:pPr>
             <a:r>
               <a:rPr lang="en-US" altLang="zh-CN" dirty="0"/>
-              <a:t>106</a:t>
+              <a:t>107</a:t>
             </a:r>
             <a:r>
               <a:rPr lang="en-US" altLang="zh-CN" baseline="30000" dirty="0"/>
@@ -4849,7 +4849,7 @@
             </a:r>
             <a:r>
               <a:rPr lang="en-US" altLang="zh-CN" dirty="0"/>
-              <a:t> IETF @ Singapore</a:t>
+              <a:t> IETF @ Vancouver</a:t>
             </a:r>
           </a:p>
         </p:txBody>

--- a/draft-gandhi-mpls-rfc6374-sr-02.pptx
+++ b/draft-gandhi-mpls-rfc6374-sr-02.pptx
@@ -5,7 +5,7 @@
     <p:sldMasterId id="2147483648" r:id="rId1"/>
   </p:sldMasterIdLst>
   <p:notesMasterIdLst>
-    <p:notesMasterId r:id="rId18"/>
+    <p:notesMasterId r:id="rId19"/>
   </p:notesMasterIdLst>
   <p:sldIdLst>
     <p:sldId id="256" r:id="rId2"/>
@@ -24,6 +24,7 @@
     <p:sldId id="322" r:id="rId15"/>
     <p:sldId id="327" r:id="rId16"/>
     <p:sldId id="328" r:id="rId17"/>
+    <p:sldId id="331" r:id="rId18"/>
   </p:sldIdLst>
   <p:sldSz cx="9144000" cy="5143500" type="screen16x9"/>
   <p:notesSz cx="6858000" cy="9144000"/>
@@ -1236,6 +1237,96 @@
     <p:extLst>
       <p:ext uri="{BB962C8B-B14F-4D97-AF65-F5344CB8AC3E}">
         <p14:creationId xmlns:p14="http://schemas.microsoft.com/office/powerpoint/2010/main" val="2377518976"/>
+      </p:ext>
+    </p:extLst>
+  </p:cSld>
+  <p:clrMapOvr>
+    <a:masterClrMapping/>
+  </p:clrMapOvr>
+</p:notes>
+</file>
+
+<file path=ppt/notesSlides/notesSlide16.xml><?xml version="1.0" encoding="utf-8"?>
+<p:notes xmlns:a="http://schemas.openxmlformats.org/drawingml/2006/main" xmlns:r="http://schemas.openxmlformats.org/officeDocument/2006/relationships" xmlns:p="http://schemas.openxmlformats.org/presentationml/2006/main">
+  <p:cSld>
+    <p:spTree>
+      <p:nvGrpSpPr>
+        <p:cNvPr id="1" name=""/>
+        <p:cNvGrpSpPr/>
+        <p:nvPr/>
+      </p:nvGrpSpPr>
+      <p:grpSpPr>
+        <a:xfrm>
+          <a:off x="0" y="0"/>
+          <a:ext cx="0" cy="0"/>
+          <a:chOff x="0" y="0"/>
+          <a:chExt cx="0" cy="0"/>
+        </a:xfrm>
+      </p:grpSpPr>
+      <p:sp>
+        <p:nvSpPr>
+          <p:cNvPr id="2" name="Slide Image Placeholder 1"/>
+          <p:cNvSpPr>
+            <a:spLocks noGrp="1" noRot="1" noChangeAspect="1"/>
+          </p:cNvSpPr>
+          <p:nvPr>
+            <p:ph type="sldImg"/>
+          </p:nvPr>
+        </p:nvSpPr>
+        <p:spPr/>
+      </p:sp>
+      <p:sp>
+        <p:nvSpPr>
+          <p:cNvPr id="3" name="Notes Placeholder 2"/>
+          <p:cNvSpPr>
+            <a:spLocks noGrp="1"/>
+          </p:cNvSpPr>
+          <p:nvPr>
+            <p:ph type="body" idx="1"/>
+          </p:nvPr>
+        </p:nvSpPr>
+        <p:spPr/>
+        <p:txBody>
+          <a:bodyPr/>
+          <a:lstStyle/>
+          <a:p>
+            <a:endParaRPr lang="en-US" dirty="0"/>
+          </a:p>
+        </p:txBody>
+      </p:sp>
+      <p:sp>
+        <p:nvSpPr>
+          <p:cNvPr id="4" name="Slide Number Placeholder 3"/>
+          <p:cNvSpPr>
+            <a:spLocks noGrp="1"/>
+          </p:cNvSpPr>
+          <p:nvPr>
+            <p:ph type="sldNum" sz="quarter" idx="10"/>
+          </p:nvPr>
+        </p:nvSpPr>
+        <p:spPr/>
+        <p:txBody>
+          <a:bodyPr/>
+          <a:lstStyle/>
+          <a:p>
+            <a:pPr>
+              <a:defRPr/>
+            </a:pPr>
+            <a:fld id="{100938BD-FD70-4535-B0C2-13FC38CDF1BE}" type="slidenum">
+              <a:rPr lang="en-US" altLang="zh-CN" smtClean="0"/>
+              <a:pPr>
+                <a:defRPr/>
+              </a:pPr>
+              <a:t>17</a:t>
+            </a:fld>
+            <a:endParaRPr lang="en-US" altLang="zh-CN"/>
+          </a:p>
+        </p:txBody>
+      </p:sp>
+    </p:spTree>
+    <p:extLst>
+      <p:ext uri="{BB962C8B-B14F-4D97-AF65-F5344CB8AC3E}">
+        <p14:creationId xmlns:p14="http://schemas.microsoft.com/office/powerpoint/2010/main" val="281509263"/>
       </p:ext>
     </p:extLst>
   </p:cSld>
@@ -5798,21 +5889,13 @@
           <a:bodyPr/>
           <a:lstStyle/>
           <a:p>
-            <a:pPr>
-              <a:defRPr/>
-            </a:pPr>
-            <a:r>
-              <a:rPr lang="en-US" altLang="zh-CN" dirty="0"/>
-              <a:t>107</a:t>
-            </a:r>
-            <a:r>
-              <a:rPr lang="en-US" altLang="zh-CN" baseline="30000" dirty="0"/>
-              <a:t>th</a:t>
-            </a:r>
-            <a:r>
-              <a:rPr lang="en-US" altLang="zh-CN" dirty="0"/>
-              <a:t> IETF @ Vancouver</a:t>
-            </a:r>
+            <a:r>
+              <a:rPr lang="en-CA" dirty="0"/>
+              <a:t>IETF MPLS WG Interim – April 2020 </a:t>
+            </a:r>
+            <a:endParaRPr lang="en-CA" dirty="0">
+              <a:effectLst/>
+            </a:endParaRPr>
           </a:p>
         </p:txBody>
       </p:sp>
@@ -5981,20 +6064,9 @@
           <a:bodyPr/>
           <a:lstStyle/>
           <a:p>
-            <a:pPr>
-              <a:defRPr/>
-            </a:pPr>
-            <a:r>
-              <a:rPr lang="en-US" altLang="zh-CN" dirty="0"/>
-              <a:t>107</a:t>
-            </a:r>
-            <a:r>
-              <a:rPr lang="en-US" altLang="zh-CN" baseline="30000" dirty="0"/>
-              <a:t>th</a:t>
-            </a:r>
-            <a:r>
-              <a:rPr lang="en-US" altLang="zh-CN" dirty="0"/>
-              <a:t> IETF @ Vancouver</a:t>
+            <a:r>
+              <a:rPr lang="en-CA" dirty="0"/>
+              <a:t>IETF MPLS WG Interim – April 2020 </a:t>
             </a:r>
           </a:p>
         </p:txBody>
@@ -6078,20 +6150,9 @@
           <a:bodyPr/>
           <a:lstStyle/>
           <a:p>
-            <a:pPr>
-              <a:defRPr/>
-            </a:pPr>
-            <a:r>
-              <a:rPr lang="en-US" altLang="zh-CN" dirty="0"/>
-              <a:t>107</a:t>
-            </a:r>
-            <a:r>
-              <a:rPr lang="en-US" altLang="zh-CN" baseline="30000" dirty="0"/>
-              <a:t>th</a:t>
-            </a:r>
-            <a:r>
-              <a:rPr lang="en-US" altLang="zh-CN" dirty="0"/>
-              <a:t> IETF @ Vancouver</a:t>
+            <a:r>
+              <a:rPr lang="en-CA" dirty="0"/>
+              <a:t>IETF MPLS WG Interim – April 2020 </a:t>
             </a:r>
           </a:p>
         </p:txBody>
@@ -6397,20 +6458,9 @@
           <a:bodyPr/>
           <a:lstStyle/>
           <a:p>
-            <a:pPr>
-              <a:defRPr/>
-            </a:pPr>
-            <a:r>
-              <a:rPr lang="en-US" altLang="zh-CN" dirty="0"/>
-              <a:t>107</a:t>
-            </a:r>
-            <a:r>
-              <a:rPr lang="en-US" altLang="zh-CN" baseline="30000" dirty="0"/>
-              <a:t>th</a:t>
-            </a:r>
-            <a:r>
-              <a:rPr lang="en-US" altLang="zh-CN" dirty="0"/>
-              <a:t> IETF @ Vancouver</a:t>
+            <a:r>
+              <a:rPr lang="en-CA" dirty="0"/>
+              <a:t>IETF MPLS WG Interim – April 2020 </a:t>
             </a:r>
           </a:p>
         </p:txBody>
@@ -6703,20 +6753,9 @@
           <a:bodyPr/>
           <a:lstStyle/>
           <a:p>
-            <a:pPr>
-              <a:defRPr/>
-            </a:pPr>
-            <a:r>
-              <a:rPr lang="en-US" altLang="zh-CN" dirty="0"/>
-              <a:t>107</a:t>
-            </a:r>
-            <a:r>
-              <a:rPr lang="en-US" altLang="zh-CN" baseline="30000" dirty="0"/>
-              <a:t>th</a:t>
-            </a:r>
-            <a:r>
-              <a:rPr lang="en-US" altLang="zh-CN" dirty="0"/>
-              <a:t> IETF @ Vancouver</a:t>
+            <a:r>
+              <a:rPr lang="en-CA" dirty="0"/>
+              <a:t>IETF MPLS WG Interim – April 2020 </a:t>
             </a:r>
           </a:p>
         </p:txBody>
@@ -6804,20 +6843,9 @@
           <a:bodyPr/>
           <a:lstStyle/>
           <a:p>
-            <a:pPr>
-              <a:defRPr/>
-            </a:pPr>
-            <a:r>
-              <a:rPr lang="en-US" altLang="zh-CN" dirty="0"/>
-              <a:t>107</a:t>
-            </a:r>
-            <a:r>
-              <a:rPr lang="en-US" altLang="zh-CN" baseline="30000" dirty="0"/>
-              <a:t>th</a:t>
-            </a:r>
-            <a:r>
-              <a:rPr lang="en-US" altLang="zh-CN" dirty="0"/>
-              <a:t> IETF @ Vancouver</a:t>
+            <a:r>
+              <a:rPr lang="en-CA" dirty="0"/>
+              <a:t>IETF MPLS WG Interim – April 2020 </a:t>
             </a:r>
           </a:p>
         </p:txBody>
@@ -7225,20 +7253,9 @@
           <a:bodyPr/>
           <a:lstStyle/>
           <a:p>
-            <a:pPr>
-              <a:defRPr/>
-            </a:pPr>
-            <a:r>
-              <a:rPr lang="en-US" altLang="zh-CN" dirty="0"/>
-              <a:t>107</a:t>
-            </a:r>
-            <a:r>
-              <a:rPr lang="en-US" altLang="zh-CN" baseline="30000" dirty="0"/>
-              <a:t>th</a:t>
-            </a:r>
-            <a:r>
-              <a:rPr lang="en-US" altLang="zh-CN" dirty="0"/>
-              <a:t> IETF @ Vancouver</a:t>
+            <a:r>
+              <a:rPr lang="en-CA" dirty="0"/>
+              <a:t>IETF MPLS WG Interim – April 2020 </a:t>
             </a:r>
           </a:p>
         </p:txBody>
@@ -7684,20 +7701,9 @@
           <a:bodyPr/>
           <a:lstStyle/>
           <a:p>
-            <a:pPr>
-              <a:defRPr/>
-            </a:pPr>
-            <a:r>
-              <a:rPr lang="en-US" altLang="zh-CN" dirty="0"/>
-              <a:t>107</a:t>
-            </a:r>
-            <a:r>
-              <a:rPr lang="en-US" altLang="zh-CN" baseline="30000" dirty="0"/>
-              <a:t>th</a:t>
-            </a:r>
-            <a:r>
-              <a:rPr lang="en-US" altLang="zh-CN" dirty="0"/>
-              <a:t> IETF @ Vancouver</a:t>
+            <a:r>
+              <a:rPr lang="en-CA" dirty="0"/>
+              <a:t>IETF MPLS WG Interim – April 2020 </a:t>
             </a:r>
           </a:p>
         </p:txBody>
@@ -7735,6 +7741,281 @@
     <p:extLst>
       <p:ext uri="{BB962C8B-B14F-4D97-AF65-F5344CB8AC3E}">
         <p14:creationId xmlns:p14="http://schemas.microsoft.com/office/powerpoint/2010/main" val="1382224980"/>
+      </p:ext>
+    </p:extLst>
+  </p:cSld>
+  <p:clrMapOvr>
+    <a:masterClrMapping/>
+  </p:clrMapOvr>
+</p:sld>
+</file>
+
+<file path=ppt/slides/slide17.xml><?xml version="1.0" encoding="utf-8"?>
+<p:sld xmlns:a="http://schemas.openxmlformats.org/drawingml/2006/main" xmlns:r="http://schemas.openxmlformats.org/officeDocument/2006/relationships" xmlns:p="http://schemas.openxmlformats.org/presentationml/2006/main">
+  <p:cSld>
+    <p:spTree>
+      <p:nvGrpSpPr>
+        <p:cNvPr id="1" name=""/>
+        <p:cNvGrpSpPr/>
+        <p:nvPr/>
+      </p:nvGrpSpPr>
+      <p:grpSpPr>
+        <a:xfrm>
+          <a:off x="0" y="0"/>
+          <a:ext cx="0" cy="0"/>
+          <a:chOff x="0" y="0"/>
+          <a:chExt cx="0" cy="0"/>
+        </a:xfrm>
+      </p:grpSpPr>
+      <p:sp>
+        <p:nvSpPr>
+          <p:cNvPr id="4" name="Footer Placeholder 3"/>
+          <p:cNvSpPr>
+            <a:spLocks noGrp="1"/>
+          </p:cNvSpPr>
+          <p:nvPr>
+            <p:ph type="ftr" sz="quarter" idx="11"/>
+          </p:nvPr>
+        </p:nvSpPr>
+        <p:spPr>
+          <a:xfrm>
+            <a:off x="3276600" y="4763387"/>
+            <a:ext cx="2895600" cy="357188"/>
+          </a:xfrm>
+        </p:spPr>
+        <p:txBody>
+          <a:bodyPr/>
+          <a:lstStyle/>
+          <a:p>
+            <a:r>
+              <a:rPr lang="en-CA" dirty="0"/>
+              <a:t>IETF MPLS WG Interim – April 2020 </a:t>
+            </a:r>
+          </a:p>
+        </p:txBody>
+      </p:sp>
+      <p:sp>
+        <p:nvSpPr>
+          <p:cNvPr id="5" name="Rectangle 2"/>
+          <p:cNvSpPr txBox="1">
+            <a:spLocks noChangeArrowheads="1"/>
+          </p:cNvSpPr>
+          <p:nvPr/>
+        </p:nvSpPr>
+        <p:spPr bwMode="auto">
+          <a:xfrm>
+            <a:off x="762000" y="1657350"/>
+            <a:ext cx="7772400" cy="1102519"/>
+          </a:xfrm>
+          <a:prstGeom prst="rect">
+            <a:avLst/>
+          </a:prstGeom>
+          <a:noFill/>
+          <a:ln w="9525">
+            <a:noFill/>
+            <a:miter lim="800000"/>
+            <a:headEnd/>
+            <a:tailEnd/>
+          </a:ln>
+          <a:effectLst/>
+        </p:spPr>
+        <p:txBody>
+          <a:bodyPr vert="horz" wrap="square" lIns="91440" tIns="45720" rIns="91440" bIns="45720" numCol="1" anchor="ctr" anchorCtr="0" compatLnSpc="1">
+            <a:prstTxWarp prst="textNoShape">
+              <a:avLst/>
+            </a:prstTxWarp>
+          </a:bodyPr>
+          <a:lstStyle>
+            <a:lvl1pPr algn="ctr" rtl="0" eaLnBrk="0" fontAlgn="base" hangingPunct="0">
+              <a:spcBef>
+                <a:spcPct val="0"/>
+              </a:spcBef>
+              <a:spcAft>
+                <a:spcPct val="0"/>
+              </a:spcAft>
+              <a:defRPr sz="4400">
+                <a:solidFill>
+                  <a:schemeClr val="tx2"/>
+                </a:solidFill>
+                <a:latin typeface="+mj-lt"/>
+                <a:ea typeface="+mj-ea"/>
+                <a:cs typeface="+mj-cs"/>
+              </a:defRPr>
+            </a:lvl1pPr>
+            <a:lvl2pPr algn="ctr" rtl="0" eaLnBrk="0" fontAlgn="base" hangingPunct="0">
+              <a:spcBef>
+                <a:spcPct val="0"/>
+              </a:spcBef>
+              <a:spcAft>
+                <a:spcPct val="0"/>
+              </a:spcAft>
+              <a:defRPr sz="4400">
+                <a:solidFill>
+                  <a:schemeClr val="tx2"/>
+                </a:solidFill>
+                <a:latin typeface="Arial" charset="0"/>
+                <a:ea typeface="宋体" pitchFamily="2" charset="-122"/>
+              </a:defRPr>
+            </a:lvl2pPr>
+            <a:lvl3pPr algn="ctr" rtl="0" eaLnBrk="0" fontAlgn="base" hangingPunct="0">
+              <a:spcBef>
+                <a:spcPct val="0"/>
+              </a:spcBef>
+              <a:spcAft>
+                <a:spcPct val="0"/>
+              </a:spcAft>
+              <a:defRPr sz="4400">
+                <a:solidFill>
+                  <a:schemeClr val="tx2"/>
+                </a:solidFill>
+                <a:latin typeface="Arial" charset="0"/>
+                <a:ea typeface="宋体" pitchFamily="2" charset="-122"/>
+              </a:defRPr>
+            </a:lvl3pPr>
+            <a:lvl4pPr algn="ctr" rtl="0" eaLnBrk="0" fontAlgn="base" hangingPunct="0">
+              <a:spcBef>
+                <a:spcPct val="0"/>
+              </a:spcBef>
+              <a:spcAft>
+                <a:spcPct val="0"/>
+              </a:spcAft>
+              <a:defRPr sz="4400">
+                <a:solidFill>
+                  <a:schemeClr val="tx2"/>
+                </a:solidFill>
+                <a:latin typeface="Arial" charset="0"/>
+                <a:ea typeface="宋体" pitchFamily="2" charset="-122"/>
+              </a:defRPr>
+            </a:lvl4pPr>
+            <a:lvl5pPr algn="ctr" rtl="0" eaLnBrk="0" fontAlgn="base" hangingPunct="0">
+              <a:spcBef>
+                <a:spcPct val="0"/>
+              </a:spcBef>
+              <a:spcAft>
+                <a:spcPct val="0"/>
+              </a:spcAft>
+              <a:defRPr sz="4400">
+                <a:solidFill>
+                  <a:schemeClr val="tx2"/>
+                </a:solidFill>
+                <a:latin typeface="Arial" charset="0"/>
+                <a:ea typeface="宋体" pitchFamily="2" charset="-122"/>
+              </a:defRPr>
+            </a:lvl5pPr>
+            <a:lvl6pPr marL="457200" algn="ctr" rtl="0" fontAlgn="base">
+              <a:spcBef>
+                <a:spcPct val="0"/>
+              </a:spcBef>
+              <a:spcAft>
+                <a:spcPct val="0"/>
+              </a:spcAft>
+              <a:defRPr sz="4400">
+                <a:solidFill>
+                  <a:schemeClr val="tx2"/>
+                </a:solidFill>
+                <a:latin typeface="Arial" charset="0"/>
+                <a:ea typeface="宋体" pitchFamily="2" charset="-122"/>
+              </a:defRPr>
+            </a:lvl6pPr>
+            <a:lvl7pPr marL="914400" algn="ctr" rtl="0" fontAlgn="base">
+              <a:spcBef>
+                <a:spcPct val="0"/>
+              </a:spcBef>
+              <a:spcAft>
+                <a:spcPct val="0"/>
+              </a:spcAft>
+              <a:defRPr sz="4400">
+                <a:solidFill>
+                  <a:schemeClr val="tx2"/>
+                </a:solidFill>
+                <a:latin typeface="Arial" charset="0"/>
+                <a:ea typeface="宋体" pitchFamily="2" charset="-122"/>
+              </a:defRPr>
+            </a:lvl7pPr>
+            <a:lvl8pPr marL="1371600" algn="ctr" rtl="0" fontAlgn="base">
+              <a:spcBef>
+                <a:spcPct val="0"/>
+              </a:spcBef>
+              <a:spcAft>
+                <a:spcPct val="0"/>
+              </a:spcAft>
+              <a:defRPr sz="4400">
+                <a:solidFill>
+                  <a:schemeClr val="tx2"/>
+                </a:solidFill>
+                <a:latin typeface="Arial" charset="0"/>
+                <a:ea typeface="宋体" pitchFamily="2" charset="-122"/>
+              </a:defRPr>
+            </a:lvl8pPr>
+            <a:lvl9pPr marL="1828800" algn="ctr" rtl="0" fontAlgn="base">
+              <a:spcBef>
+                <a:spcPct val="0"/>
+              </a:spcBef>
+              <a:spcAft>
+                <a:spcPct val="0"/>
+              </a:spcAft>
+              <a:defRPr sz="4400">
+                <a:solidFill>
+                  <a:schemeClr val="tx2"/>
+                </a:solidFill>
+                <a:latin typeface="Arial" charset="0"/>
+                <a:ea typeface="宋体" pitchFamily="2" charset="-122"/>
+              </a:defRPr>
+            </a:lvl9pPr>
+          </a:lstStyle>
+          <a:p>
+            <a:pPr eaLnBrk="1" hangingPunct="1">
+              <a:defRPr/>
+            </a:pPr>
+            <a:r>
+              <a:rPr lang="en-US" altLang="zh-CN" sz="4000" kern="0" dirty="0">
+                <a:effectLst>
+                  <a:outerShdw blurRad="38100" dist="38100" dir="2700000" algn="tl">
+                    <a:srgbClr val="C0C0C0"/>
+                  </a:outerShdw>
+                </a:effectLst>
+                <a:latin typeface="Calibri" charset="0"/>
+                <a:ea typeface="Calibri" charset="0"/>
+                <a:cs typeface="Calibri" charset="0"/>
+              </a:rPr>
+              <a:t>Thank you</a:t>
+            </a:r>
+          </a:p>
+        </p:txBody>
+      </p:sp>
+      <p:sp>
+        <p:nvSpPr>
+          <p:cNvPr id="2" name="Slide Number Placeholder 1"/>
+          <p:cNvSpPr>
+            <a:spLocks noGrp="1"/>
+          </p:cNvSpPr>
+          <p:nvPr>
+            <p:ph type="sldNum" sz="quarter" idx="12"/>
+          </p:nvPr>
+        </p:nvSpPr>
+        <p:spPr/>
+        <p:txBody>
+          <a:bodyPr/>
+          <a:lstStyle/>
+          <a:p>
+            <a:pPr>
+              <a:defRPr/>
+            </a:pPr>
+            <a:fld id="{BD6E0F59-1DD8-40FC-9C92-B6295CBA6CCA}" type="slidenum">
+              <a:rPr lang="en-US" altLang="zh-CN" smtClean="0"/>
+              <a:pPr>
+                <a:defRPr/>
+              </a:pPr>
+              <a:t>17</a:t>
+            </a:fld>
+            <a:endParaRPr lang="en-US" altLang="zh-CN"/>
+          </a:p>
+        </p:txBody>
+      </p:sp>
+    </p:spTree>
+    <p:extLst>
+      <p:ext uri="{BB962C8B-B14F-4D97-AF65-F5344CB8AC3E}">
+        <p14:creationId xmlns:p14="http://schemas.microsoft.com/office/powerpoint/2010/main" val="399591076"/>
       </p:ext>
     </p:extLst>
   </p:cSld>
@@ -7865,20 +8146,9 @@
           <a:bodyPr/>
           <a:lstStyle/>
           <a:p>
-            <a:pPr>
-              <a:defRPr/>
-            </a:pPr>
-            <a:r>
-              <a:rPr lang="en-US" altLang="zh-CN" dirty="0"/>
-              <a:t>107</a:t>
-            </a:r>
-            <a:r>
-              <a:rPr lang="en-US" altLang="zh-CN" baseline="30000" dirty="0"/>
-              <a:t>th</a:t>
-            </a:r>
-            <a:r>
-              <a:rPr lang="en-US" altLang="zh-CN" dirty="0"/>
-              <a:t> IETF @ Vancouver</a:t>
+            <a:r>
+              <a:rPr lang="en-CA" dirty="0"/>
+              <a:t>IETF MPLS WG Interim – April 2020 </a:t>
             </a:r>
           </a:p>
         </p:txBody>
@@ -8104,20 +8374,9 @@
           <a:bodyPr/>
           <a:lstStyle/>
           <a:p>
-            <a:pPr>
-              <a:defRPr/>
-            </a:pPr>
-            <a:r>
-              <a:rPr lang="en-US" altLang="zh-CN" dirty="0"/>
-              <a:t>107</a:t>
-            </a:r>
-            <a:r>
-              <a:rPr lang="en-US" altLang="zh-CN" baseline="30000" dirty="0"/>
-              <a:t>th</a:t>
-            </a:r>
-            <a:r>
-              <a:rPr lang="en-US" altLang="zh-CN" dirty="0"/>
-              <a:t> IETF @ Vancouver</a:t>
+            <a:r>
+              <a:rPr lang="en-CA" dirty="0"/>
+              <a:t>IETF MPLS WG Interim – April 2020 </a:t>
             </a:r>
           </a:p>
         </p:txBody>
@@ -8443,20 +8702,9 @@
           <a:bodyPr/>
           <a:lstStyle/>
           <a:p>
-            <a:pPr>
-              <a:defRPr/>
-            </a:pPr>
-            <a:r>
-              <a:rPr lang="en-US" altLang="zh-CN" dirty="0"/>
-              <a:t>107</a:t>
-            </a:r>
-            <a:r>
-              <a:rPr lang="en-US" altLang="zh-CN" baseline="30000" dirty="0"/>
-              <a:t>th</a:t>
-            </a:r>
-            <a:r>
-              <a:rPr lang="en-US" altLang="zh-CN" dirty="0"/>
-              <a:t> IETF @ Vancouver</a:t>
+            <a:r>
+              <a:rPr lang="en-CA" dirty="0"/>
+              <a:t>IETF MPLS WG Interim – April 2020 </a:t>
             </a:r>
           </a:p>
         </p:txBody>
@@ -8705,20 +8953,9 @@
           <a:bodyPr/>
           <a:lstStyle/>
           <a:p>
-            <a:pPr>
-              <a:defRPr/>
-            </a:pPr>
-            <a:r>
-              <a:rPr lang="en-US" altLang="zh-CN" dirty="0"/>
-              <a:t>107</a:t>
-            </a:r>
-            <a:r>
-              <a:rPr lang="en-US" altLang="zh-CN" baseline="30000" dirty="0"/>
-              <a:t>th</a:t>
-            </a:r>
-            <a:r>
-              <a:rPr lang="en-US" altLang="zh-CN" dirty="0"/>
-              <a:t> IETF @ Vancouver</a:t>
+            <a:r>
+              <a:rPr lang="en-CA" dirty="0"/>
+              <a:t>IETF MPLS WG Interim – April 2020 </a:t>
             </a:r>
           </a:p>
         </p:txBody>
@@ -8835,20 +9072,9 @@
           <a:bodyPr/>
           <a:lstStyle/>
           <a:p>
-            <a:pPr>
-              <a:defRPr/>
-            </a:pPr>
-            <a:r>
-              <a:rPr lang="en-US" altLang="zh-CN" dirty="0"/>
-              <a:t>107</a:t>
-            </a:r>
-            <a:r>
-              <a:rPr lang="en-US" altLang="zh-CN" baseline="30000" dirty="0"/>
-              <a:t>th</a:t>
-            </a:r>
-            <a:r>
-              <a:rPr lang="en-US" altLang="zh-CN" dirty="0"/>
-              <a:t> IETF @ Vancouver</a:t>
+            <a:r>
+              <a:rPr lang="en-CA" dirty="0"/>
+              <a:t>IETF MPLS WG Interim – April 2020 </a:t>
             </a:r>
           </a:p>
         </p:txBody>
@@ -9022,20 +9248,9 @@
           <a:bodyPr/>
           <a:lstStyle/>
           <a:p>
-            <a:pPr>
-              <a:defRPr/>
-            </a:pPr>
-            <a:r>
-              <a:rPr lang="en-US" altLang="zh-CN" dirty="0"/>
-              <a:t>107</a:t>
-            </a:r>
-            <a:r>
-              <a:rPr lang="en-US" altLang="zh-CN" baseline="30000" dirty="0"/>
-              <a:t>th</a:t>
-            </a:r>
-            <a:r>
-              <a:rPr lang="en-US" altLang="zh-CN" dirty="0"/>
-              <a:t> IETF @ Vancouver</a:t>
+            <a:r>
+              <a:rPr lang="en-CA" dirty="0"/>
+              <a:t>IETF MPLS WG Interim – April 2020 </a:t>
             </a:r>
           </a:p>
         </p:txBody>
@@ -9089,7 +9304,7 @@
         <p:spPr>
           <a:xfrm>
             <a:off x="3956583" y="666750"/>
-            <a:ext cx="4953000" cy="3970318"/>
+            <a:ext cx="4953000" cy="1477328"/>
           </a:xfrm>
           <a:prstGeom prst="rect">
             <a:avLst/>
@@ -9254,299 +9469,6 @@
               </a:rPr>
               <a:t>                      Figure: Return Path TLV</a:t>
             </a:r>
-          </a:p>
-          <a:p>
-            <a:pPr>
-              <a:spcAft>
-                <a:spcPts val="0"/>
-              </a:spcAft>
-            </a:pPr>
-            <a:r>
-              <a:rPr lang="en-CA" sz="900" dirty="0">
-                <a:latin typeface="Courier" pitchFamily="2" charset="0"/>
-                <a:ea typeface="Calibri" panose="020F0502020204030204" pitchFamily="34" charset="0"/>
-                <a:cs typeface="Courier New" panose="02070309020205020404" pitchFamily="49" charset="0"/>
-              </a:rPr>
-              <a:t> </a:t>
-            </a:r>
-          </a:p>
-          <a:p>
-            <a:pPr>
-              <a:spcAft>
-                <a:spcPts val="0"/>
-              </a:spcAft>
-            </a:pPr>
-            <a:r>
-              <a:rPr lang="en-CA" sz="900" dirty="0">
-                <a:latin typeface="Courier" pitchFamily="2" charset="0"/>
-                <a:ea typeface="Calibri" panose="020F0502020204030204" pitchFamily="34" charset="0"/>
-                <a:cs typeface="Courier New" panose="02070309020205020404" pitchFamily="49" charset="0"/>
-              </a:rPr>
-              <a:t>    0                   1                   2                   3</a:t>
-            </a:r>
-          </a:p>
-          <a:p>
-            <a:pPr>
-              <a:spcAft>
-                <a:spcPts val="0"/>
-              </a:spcAft>
-            </a:pPr>
-            <a:r>
-              <a:rPr lang="en-CA" sz="900" dirty="0">
-                <a:latin typeface="Courier" pitchFamily="2" charset="0"/>
-                <a:ea typeface="Calibri" panose="020F0502020204030204" pitchFamily="34" charset="0"/>
-                <a:cs typeface="Courier New" panose="02070309020205020404" pitchFamily="49" charset="0"/>
-              </a:rPr>
-              <a:t>    0 1 2 3 4 5 6 7 8 9 0 1 2 3 4 5 6 7 8 9 0 1 2 3 4 5 6 7 8 9 0 1</a:t>
-            </a:r>
-          </a:p>
-          <a:p>
-            <a:pPr>
-              <a:spcAft>
-                <a:spcPts val="0"/>
-              </a:spcAft>
-            </a:pPr>
-            <a:r>
-              <a:rPr lang="en-CA" sz="900" dirty="0">
-                <a:latin typeface="Courier" pitchFamily="2" charset="0"/>
-                <a:ea typeface="Calibri" panose="020F0502020204030204" pitchFamily="34" charset="0"/>
-                <a:cs typeface="Courier New" panose="02070309020205020404" pitchFamily="49" charset="0"/>
-              </a:rPr>
-              <a:t>    +-+-+-+-+-+-+-+-+-+-+-+-+-+-+-+-+-+-+-+-+-+-+-+-+-+-+-+-+-+-+-+-+</a:t>
-            </a:r>
-          </a:p>
-          <a:p>
-            <a:pPr>
-              <a:spcAft>
-                <a:spcPts val="0"/>
-              </a:spcAft>
-            </a:pPr>
-            <a:r>
-              <a:rPr lang="en-CA" sz="900" dirty="0">
-                <a:latin typeface="Courier" pitchFamily="2" charset="0"/>
-                <a:ea typeface="Calibri" panose="020F0502020204030204" pitchFamily="34" charset="0"/>
-                <a:cs typeface="Courier New" panose="02070309020205020404" pitchFamily="49" charset="0"/>
-              </a:rPr>
-              <a:t>    |     </a:t>
-            </a:r>
-            <a:r>
-              <a:rPr lang="en-CA" sz="900" dirty="0">
-                <a:solidFill>
-                  <a:srgbClr val="0070C0"/>
-                </a:solidFill>
-                <a:latin typeface="Courier" pitchFamily="2" charset="0"/>
-                <a:ea typeface="Calibri" panose="020F0502020204030204" pitchFamily="34" charset="0"/>
-                <a:cs typeface="Courier New" panose="02070309020205020404" pitchFamily="49" charset="0"/>
-              </a:rPr>
-              <a:t>Type</a:t>
-            </a:r>
-            <a:r>
-              <a:rPr lang="en-CA" sz="900" dirty="0">
-                <a:latin typeface="Courier" pitchFamily="2" charset="0"/>
-                <a:ea typeface="Calibri" panose="020F0502020204030204" pitchFamily="34" charset="0"/>
-                <a:cs typeface="Courier New" panose="02070309020205020404" pitchFamily="49" charset="0"/>
-              </a:rPr>
-              <a:t>      |    Length     |      Reserved                 |</a:t>
-            </a:r>
-          </a:p>
-          <a:p>
-            <a:pPr>
-              <a:spcAft>
-                <a:spcPts val="0"/>
-              </a:spcAft>
-            </a:pPr>
-            <a:r>
-              <a:rPr lang="en-CA" sz="900" dirty="0">
-                <a:latin typeface="Courier" pitchFamily="2" charset="0"/>
-                <a:ea typeface="Calibri" panose="020F0502020204030204" pitchFamily="34" charset="0"/>
-                <a:cs typeface="Courier New" panose="02070309020205020404" pitchFamily="49" charset="0"/>
-              </a:rPr>
-              <a:t>    +-+-+-+-+-+-+-+-+-+-+-+-+-+-+-+-+-+-+-+-+-+-+-+-+-+-+-+-+-+-+-+-+</a:t>
-            </a:r>
-          </a:p>
-          <a:p>
-            <a:pPr>
-              <a:spcAft>
-                <a:spcPts val="0"/>
-              </a:spcAft>
-            </a:pPr>
-            <a:r>
-              <a:rPr lang="en-CA" sz="900" dirty="0">
-                <a:latin typeface="Courier" pitchFamily="2" charset="0"/>
-                <a:ea typeface="Calibri" panose="020F0502020204030204" pitchFamily="34" charset="0"/>
-                <a:cs typeface="Courier New" panose="02070309020205020404" pitchFamily="49" charset="0"/>
-              </a:rPr>
-              <a:t>    |                    Label(1)                                   |</a:t>
-            </a:r>
-          </a:p>
-          <a:p>
-            <a:pPr>
-              <a:spcAft>
-                <a:spcPts val="0"/>
-              </a:spcAft>
-            </a:pPr>
-            <a:r>
-              <a:rPr lang="en-CA" sz="900" dirty="0">
-                <a:latin typeface="Courier" pitchFamily="2" charset="0"/>
-                <a:ea typeface="Calibri" panose="020F0502020204030204" pitchFamily="34" charset="0"/>
-                <a:cs typeface="Courier New" panose="02070309020205020404" pitchFamily="49" charset="0"/>
-              </a:rPr>
-              <a:t>    .                                                               .</a:t>
-            </a:r>
-          </a:p>
-          <a:p>
-            <a:pPr>
-              <a:spcAft>
-                <a:spcPts val="0"/>
-              </a:spcAft>
-            </a:pPr>
-            <a:r>
-              <a:rPr lang="en-CA" sz="900" dirty="0">
-                <a:latin typeface="Courier" pitchFamily="2" charset="0"/>
-                <a:ea typeface="Calibri" panose="020F0502020204030204" pitchFamily="34" charset="0"/>
-                <a:cs typeface="Courier New" panose="02070309020205020404" pitchFamily="49" charset="0"/>
-              </a:rPr>
-              <a:t>    +-+-+-+-+-+-+-+-+-+-+-+-+-+-+-+-+-+-+-+-+-+-+-+-+-+-+-+-+-+-+-+-+</a:t>
-            </a:r>
-          </a:p>
-          <a:p>
-            <a:pPr>
-              <a:spcAft>
-                <a:spcPts val="0"/>
-              </a:spcAft>
-            </a:pPr>
-            <a:r>
-              <a:rPr lang="en-CA" sz="900" dirty="0">
-                <a:latin typeface="Courier" pitchFamily="2" charset="0"/>
-                <a:ea typeface="Calibri" panose="020F0502020204030204" pitchFamily="34" charset="0"/>
-                <a:cs typeface="Courier New" panose="02070309020205020404" pitchFamily="49" charset="0"/>
-              </a:rPr>
-              <a:t>    .                                                               .</a:t>
-            </a:r>
-          </a:p>
-          <a:p>
-            <a:pPr>
-              <a:spcAft>
-                <a:spcPts val="0"/>
-              </a:spcAft>
-            </a:pPr>
-            <a:r>
-              <a:rPr lang="en-CA" sz="900" dirty="0">
-                <a:latin typeface="Courier" pitchFamily="2" charset="0"/>
-                <a:ea typeface="Calibri" panose="020F0502020204030204" pitchFamily="34" charset="0"/>
-                <a:cs typeface="Courier New" panose="02070309020205020404" pitchFamily="49" charset="0"/>
-              </a:rPr>
-              <a:t>    .                                                               .</a:t>
-            </a:r>
-          </a:p>
-          <a:p>
-            <a:pPr>
-              <a:spcAft>
-                <a:spcPts val="0"/>
-              </a:spcAft>
-            </a:pPr>
-            <a:r>
-              <a:rPr lang="en-CA" sz="900" dirty="0">
-                <a:latin typeface="Courier" pitchFamily="2" charset="0"/>
-                <a:ea typeface="Calibri" panose="020F0502020204030204" pitchFamily="34" charset="0"/>
-                <a:cs typeface="Courier New" panose="02070309020205020404" pitchFamily="49" charset="0"/>
-              </a:rPr>
-              <a:t>    .                                                               .</a:t>
-            </a:r>
-          </a:p>
-          <a:p>
-            <a:pPr>
-              <a:spcAft>
-                <a:spcPts val="0"/>
-              </a:spcAft>
-            </a:pPr>
-            <a:r>
-              <a:rPr lang="en-CA" sz="900" dirty="0">
-                <a:latin typeface="Courier" pitchFamily="2" charset="0"/>
-                <a:ea typeface="Calibri" panose="020F0502020204030204" pitchFamily="34" charset="0"/>
-                <a:cs typeface="Courier New" panose="02070309020205020404" pitchFamily="49" charset="0"/>
-              </a:rPr>
-              <a:t>    +-+-+-+-+-+-+-+-+-+-+-+-+-+-+-+-+-+-+-+-+-+-+-+-+-+-+-+-+-+-+-+-+</a:t>
-            </a:r>
-          </a:p>
-          <a:p>
-            <a:pPr>
-              <a:spcAft>
-                <a:spcPts val="0"/>
-              </a:spcAft>
-            </a:pPr>
-            <a:r>
-              <a:rPr lang="en-CA" sz="900" dirty="0">
-                <a:latin typeface="Courier" pitchFamily="2" charset="0"/>
-                <a:ea typeface="Calibri" panose="020F0502020204030204" pitchFamily="34" charset="0"/>
-                <a:cs typeface="Courier New" panose="02070309020205020404" pitchFamily="49" charset="0"/>
-              </a:rPr>
-              <a:t>    |                    Label(n)                                   |</a:t>
-            </a:r>
-          </a:p>
-          <a:p>
-            <a:pPr>
-              <a:spcAft>
-                <a:spcPts val="0"/>
-              </a:spcAft>
-            </a:pPr>
-            <a:r>
-              <a:rPr lang="en-CA" sz="900" dirty="0">
-                <a:latin typeface="Courier" pitchFamily="2" charset="0"/>
-                <a:ea typeface="Calibri" panose="020F0502020204030204" pitchFamily="34" charset="0"/>
-                <a:cs typeface="Courier New" panose="02070309020205020404" pitchFamily="49" charset="0"/>
-              </a:rPr>
-              <a:t>    .                                                               .</a:t>
-            </a:r>
-          </a:p>
-          <a:p>
-            <a:pPr>
-              <a:spcAft>
-                <a:spcPts val="0"/>
-              </a:spcAft>
-            </a:pPr>
-            <a:r>
-              <a:rPr lang="en-CA" sz="900" dirty="0">
-                <a:latin typeface="Courier" pitchFamily="2" charset="0"/>
-                <a:ea typeface="Calibri" panose="020F0502020204030204" pitchFamily="34" charset="0"/>
-                <a:cs typeface="Courier New" panose="02070309020205020404" pitchFamily="49" charset="0"/>
-              </a:rPr>
-              <a:t>    +-+-+-+-+-+-+-+-+-+-+-+-+-+-+-+-+-+-+-+-+-+-+-+-+-+-+-+-+-+-+-+-+</a:t>
-            </a:r>
-          </a:p>
-          <a:p>
-            <a:pPr>
-              <a:spcAft>
-                <a:spcPts val="0"/>
-              </a:spcAft>
-            </a:pPr>
-            <a:r>
-              <a:rPr lang="en-CA" sz="900" dirty="0">
-                <a:latin typeface="Courier" pitchFamily="2" charset="0"/>
-                <a:ea typeface="Calibri" panose="020F0502020204030204" pitchFamily="34" charset="0"/>
-                <a:cs typeface="Courier New" panose="02070309020205020404" pitchFamily="49" charset="0"/>
-              </a:rPr>
-              <a:t> </a:t>
-            </a:r>
-          </a:p>
-          <a:p>
-            <a:pPr>
-              <a:spcAft>
-                <a:spcPts val="0"/>
-              </a:spcAft>
-            </a:pPr>
-            <a:r>
-              <a:rPr lang="en-CA" sz="900" dirty="0">
-                <a:latin typeface="Courier" pitchFamily="2" charset="0"/>
-                <a:ea typeface="Calibri" panose="020F0502020204030204" pitchFamily="34" charset="0"/>
-                <a:cs typeface="Courier New" panose="02070309020205020404" pitchFamily="49" charset="0"/>
-              </a:rPr>
-              <a:t>           Figure: Segment List Sub-TLV in Return Path TLV</a:t>
-            </a:r>
-            <a:endParaRPr lang="en-CA" sz="900" dirty="0">
-              <a:latin typeface="Courier" pitchFamily="2" charset="0"/>
-              <a:cs typeface="Courier New" panose="02070309020205020404" pitchFamily="49" charset="0"/>
-            </a:endParaRPr>
           </a:p>
         </p:txBody>
       </p:sp>
@@ -9738,44 +9660,6 @@
           </a:p>
         </p:txBody>
       </p:sp>
-      <p:cxnSp>
-        <p:nvCxnSpPr>
-          <p:cNvPr id="9" name="Straight Connector 8">
-            <a:extLst>
-              <a:ext uri="{FF2B5EF4-FFF2-40B4-BE49-F238E27FC236}">
-                <a16:creationId xmlns:a16="http://schemas.microsoft.com/office/drawing/2014/main" id="{23261963-6271-704C-B094-BBB86BA13EB1}"/>
-              </a:ext>
-            </a:extLst>
-          </p:cNvPr>
-          <p:cNvCxnSpPr>
-            <a:cxnSpLocks/>
-          </p:cNvCxnSpPr>
-          <p:nvPr/>
-        </p:nvCxnSpPr>
-        <p:spPr>
-          <a:xfrm>
-            <a:off x="3956583" y="2114550"/>
-            <a:ext cx="4953000" cy="0"/>
-          </a:xfrm>
-          <a:prstGeom prst="line">
-            <a:avLst/>
-          </a:prstGeom>
-        </p:spPr>
-        <p:style>
-          <a:lnRef idx="1">
-            <a:schemeClr val="accent1"/>
-          </a:lnRef>
-          <a:fillRef idx="0">
-            <a:schemeClr val="accent1"/>
-          </a:fillRef>
-          <a:effectRef idx="0">
-            <a:schemeClr val="accent1"/>
-          </a:effectRef>
-          <a:fontRef idx="minor">
-            <a:schemeClr val="tx1"/>
-          </a:fontRef>
-        </p:style>
-      </p:cxnSp>
       <p:sp>
         <p:nvSpPr>
           <p:cNvPr id="7" name="TextBox 6">
@@ -9825,6 +9709,317 @@
             <a:endParaRPr lang="en-US" sz="1600" b="1" dirty="0">
               <a:latin typeface="Calibri" panose="020F0502020204030204" pitchFamily="34" charset="0"/>
               <a:cs typeface="Calibri" panose="020F0502020204030204" pitchFamily="34" charset="0"/>
+            </a:endParaRPr>
+          </a:p>
+        </p:txBody>
+      </p:sp>
+      <p:sp>
+        <p:nvSpPr>
+          <p:cNvPr id="10" name="Rectangle 9">
+            <a:extLst>
+              <a:ext uri="{FF2B5EF4-FFF2-40B4-BE49-F238E27FC236}">
+                <a16:creationId xmlns:a16="http://schemas.microsoft.com/office/drawing/2014/main" id="{2001BEBD-7EA5-2646-8A98-C2A4FDCB721B}"/>
+              </a:ext>
+            </a:extLst>
+          </p:cNvPr>
+          <p:cNvSpPr/>
+          <p:nvPr/>
+        </p:nvSpPr>
+        <p:spPr>
+          <a:xfrm>
+            <a:off x="3956583" y="2236531"/>
+            <a:ext cx="4953000" cy="2446824"/>
+          </a:xfrm>
+          <a:prstGeom prst="rect">
+            <a:avLst/>
+          </a:prstGeom>
+          <a:solidFill>
+            <a:schemeClr val="bg1">
+              <a:lumMod val="95000"/>
+            </a:schemeClr>
+          </a:solidFill>
+        </p:spPr>
+        <p:txBody>
+          <a:bodyPr wrap="square">
+            <a:spAutoFit/>
+          </a:bodyPr>
+          <a:lstStyle/>
+          <a:p>
+            <a:pPr>
+              <a:spcAft>
+                <a:spcPts val="0"/>
+              </a:spcAft>
+            </a:pPr>
+            <a:r>
+              <a:rPr lang="en-CA" sz="900" dirty="0">
+                <a:latin typeface="Courier" pitchFamily="2" charset="0"/>
+                <a:ea typeface="Calibri" panose="020F0502020204030204" pitchFamily="34" charset="0"/>
+                <a:cs typeface="Courier New" panose="02070309020205020404" pitchFamily="49" charset="0"/>
+              </a:rPr>
+              <a:t>    0                   1                   2                   3</a:t>
+            </a:r>
+          </a:p>
+          <a:p>
+            <a:pPr>
+              <a:spcAft>
+                <a:spcPts val="0"/>
+              </a:spcAft>
+            </a:pPr>
+            <a:r>
+              <a:rPr lang="en-CA" sz="900" dirty="0">
+                <a:latin typeface="Courier" pitchFamily="2" charset="0"/>
+                <a:ea typeface="Calibri" panose="020F0502020204030204" pitchFamily="34" charset="0"/>
+                <a:cs typeface="Courier New" panose="02070309020205020404" pitchFamily="49" charset="0"/>
+              </a:rPr>
+              <a:t>    0 1 2 3 4 5 6 7 8 9 0 1 2 3 4 5 6 7 8 9 0 1 2 3 4 5 6 7 8 9 0 1</a:t>
+            </a:r>
+          </a:p>
+          <a:p>
+            <a:pPr>
+              <a:spcAft>
+                <a:spcPts val="0"/>
+              </a:spcAft>
+            </a:pPr>
+            <a:r>
+              <a:rPr lang="en-CA" sz="900" dirty="0">
+                <a:latin typeface="Courier" pitchFamily="2" charset="0"/>
+                <a:ea typeface="Calibri" panose="020F0502020204030204" pitchFamily="34" charset="0"/>
+                <a:cs typeface="Courier New" panose="02070309020205020404" pitchFamily="49" charset="0"/>
+              </a:rPr>
+              <a:t>    +-+-+-+-+-+-+-+-+-+-+-+-+-+-+-+-+-+-+-+-+-+-+-+-+-+-+-+-+-+-+-+-+</a:t>
+            </a:r>
+          </a:p>
+          <a:p>
+            <a:pPr>
+              <a:spcAft>
+                <a:spcPts val="0"/>
+              </a:spcAft>
+            </a:pPr>
+            <a:r>
+              <a:rPr lang="en-CA" sz="900" dirty="0">
+                <a:latin typeface="Courier" pitchFamily="2" charset="0"/>
+                <a:ea typeface="Calibri" panose="020F0502020204030204" pitchFamily="34" charset="0"/>
+                <a:cs typeface="Courier New" panose="02070309020205020404" pitchFamily="49" charset="0"/>
+              </a:rPr>
+              <a:t>    |     </a:t>
+            </a:r>
+            <a:r>
+              <a:rPr lang="en-CA" sz="900" dirty="0">
+                <a:solidFill>
+                  <a:srgbClr val="0070C0"/>
+                </a:solidFill>
+                <a:latin typeface="Courier" pitchFamily="2" charset="0"/>
+                <a:ea typeface="Calibri" panose="020F0502020204030204" pitchFamily="34" charset="0"/>
+                <a:cs typeface="Courier New" panose="02070309020205020404" pitchFamily="49" charset="0"/>
+              </a:rPr>
+              <a:t>Type</a:t>
+            </a:r>
+            <a:r>
+              <a:rPr lang="en-CA" sz="900" dirty="0">
+                <a:latin typeface="Courier" pitchFamily="2" charset="0"/>
+                <a:ea typeface="Calibri" panose="020F0502020204030204" pitchFamily="34" charset="0"/>
+                <a:cs typeface="Courier New" panose="02070309020205020404" pitchFamily="49" charset="0"/>
+              </a:rPr>
+              <a:t>      |    Length     |      Reserved                 |</a:t>
+            </a:r>
+          </a:p>
+          <a:p>
+            <a:pPr>
+              <a:spcAft>
+                <a:spcPts val="0"/>
+              </a:spcAft>
+            </a:pPr>
+            <a:r>
+              <a:rPr lang="en-CA" sz="900" dirty="0">
+                <a:latin typeface="Courier" pitchFamily="2" charset="0"/>
+                <a:ea typeface="Calibri" panose="020F0502020204030204" pitchFamily="34" charset="0"/>
+                <a:cs typeface="Courier New" panose="02070309020205020404" pitchFamily="49" charset="0"/>
+              </a:rPr>
+              <a:t>    +-+-+-+-+-+-+-+-+-+-+-+-+-+-+-+-+-+-+-+-+-+-+-+-+-+-+-+-+-+-+-+-+</a:t>
+            </a:r>
+          </a:p>
+          <a:p>
+            <a:pPr>
+              <a:spcAft>
+                <a:spcPts val="0"/>
+              </a:spcAft>
+            </a:pPr>
+            <a:r>
+              <a:rPr lang="en-CA" sz="900" dirty="0">
+                <a:latin typeface="Courier" pitchFamily="2" charset="0"/>
+                <a:ea typeface="Calibri" panose="020F0502020204030204" pitchFamily="34" charset="0"/>
+                <a:cs typeface="Courier New" panose="02070309020205020404" pitchFamily="49" charset="0"/>
+              </a:rPr>
+              <a:t>    |                    Label(1)                                   |</a:t>
+            </a:r>
+          </a:p>
+          <a:p>
+            <a:pPr>
+              <a:spcAft>
+                <a:spcPts val="0"/>
+              </a:spcAft>
+            </a:pPr>
+            <a:r>
+              <a:rPr lang="en-CA" sz="900" dirty="0">
+                <a:latin typeface="Courier" pitchFamily="2" charset="0"/>
+                <a:ea typeface="Calibri" panose="020F0502020204030204" pitchFamily="34" charset="0"/>
+                <a:cs typeface="Courier New" panose="02070309020205020404" pitchFamily="49" charset="0"/>
+              </a:rPr>
+              <a:t>    .                                                               .</a:t>
+            </a:r>
+          </a:p>
+          <a:p>
+            <a:pPr>
+              <a:spcAft>
+                <a:spcPts val="0"/>
+              </a:spcAft>
+            </a:pPr>
+            <a:r>
+              <a:rPr lang="en-CA" sz="900" dirty="0">
+                <a:latin typeface="Courier" pitchFamily="2" charset="0"/>
+                <a:ea typeface="Calibri" panose="020F0502020204030204" pitchFamily="34" charset="0"/>
+                <a:cs typeface="Courier New" panose="02070309020205020404" pitchFamily="49" charset="0"/>
+              </a:rPr>
+              <a:t>    +-+-+-+-+-+-+-+-+-+-+-+-+-+-+-+-+-+-+-+-+-+-+-+-+-+-+-+-+-+-+-+-+</a:t>
+            </a:r>
+          </a:p>
+          <a:p>
+            <a:pPr>
+              <a:spcAft>
+                <a:spcPts val="0"/>
+              </a:spcAft>
+            </a:pPr>
+            <a:r>
+              <a:rPr lang="en-CA" sz="900" dirty="0">
+                <a:latin typeface="Courier" pitchFamily="2" charset="0"/>
+                <a:ea typeface="Calibri" panose="020F0502020204030204" pitchFamily="34" charset="0"/>
+                <a:cs typeface="Courier New" panose="02070309020205020404" pitchFamily="49" charset="0"/>
+              </a:rPr>
+              <a:t>    .                                                               .</a:t>
+            </a:r>
+          </a:p>
+          <a:p>
+            <a:pPr>
+              <a:spcAft>
+                <a:spcPts val="0"/>
+              </a:spcAft>
+            </a:pPr>
+            <a:r>
+              <a:rPr lang="en-CA" sz="900" dirty="0">
+                <a:latin typeface="Courier" pitchFamily="2" charset="0"/>
+                <a:ea typeface="Calibri" panose="020F0502020204030204" pitchFamily="34" charset="0"/>
+                <a:cs typeface="Courier New" panose="02070309020205020404" pitchFamily="49" charset="0"/>
+              </a:rPr>
+              <a:t>    .                                                               .</a:t>
+            </a:r>
+          </a:p>
+          <a:p>
+            <a:pPr>
+              <a:spcAft>
+                <a:spcPts val="0"/>
+              </a:spcAft>
+            </a:pPr>
+            <a:r>
+              <a:rPr lang="en-CA" sz="900" dirty="0">
+                <a:latin typeface="Courier" pitchFamily="2" charset="0"/>
+                <a:ea typeface="Calibri" panose="020F0502020204030204" pitchFamily="34" charset="0"/>
+                <a:cs typeface="Courier New" panose="02070309020205020404" pitchFamily="49" charset="0"/>
+              </a:rPr>
+              <a:t>    .                                                               .</a:t>
+            </a:r>
+          </a:p>
+          <a:p>
+            <a:pPr>
+              <a:spcAft>
+                <a:spcPts val="0"/>
+              </a:spcAft>
+            </a:pPr>
+            <a:r>
+              <a:rPr lang="en-CA" sz="900" dirty="0">
+                <a:latin typeface="Courier" pitchFamily="2" charset="0"/>
+                <a:ea typeface="Calibri" panose="020F0502020204030204" pitchFamily="34" charset="0"/>
+                <a:cs typeface="Courier New" panose="02070309020205020404" pitchFamily="49" charset="0"/>
+              </a:rPr>
+              <a:t>    +-+-+-+-+-+-+-+-+-+-+-+-+-+-+-+-+-+-+-+-+-+-+-+-+-+-+-+-+-+-+-+-+</a:t>
+            </a:r>
+          </a:p>
+          <a:p>
+            <a:pPr>
+              <a:spcAft>
+                <a:spcPts val="0"/>
+              </a:spcAft>
+            </a:pPr>
+            <a:r>
+              <a:rPr lang="en-CA" sz="900" dirty="0">
+                <a:latin typeface="Courier" pitchFamily="2" charset="0"/>
+                <a:ea typeface="Calibri" panose="020F0502020204030204" pitchFamily="34" charset="0"/>
+                <a:cs typeface="Courier New" panose="02070309020205020404" pitchFamily="49" charset="0"/>
+              </a:rPr>
+              <a:t>    |                    Label(n)                                   |</a:t>
+            </a:r>
+          </a:p>
+          <a:p>
+            <a:pPr>
+              <a:spcAft>
+                <a:spcPts val="0"/>
+              </a:spcAft>
+            </a:pPr>
+            <a:r>
+              <a:rPr lang="en-CA" sz="900" dirty="0">
+                <a:latin typeface="Courier" pitchFamily="2" charset="0"/>
+                <a:ea typeface="Calibri" panose="020F0502020204030204" pitchFamily="34" charset="0"/>
+                <a:cs typeface="Courier New" panose="02070309020205020404" pitchFamily="49" charset="0"/>
+              </a:rPr>
+              <a:t>    .                                                               .</a:t>
+            </a:r>
+          </a:p>
+          <a:p>
+            <a:pPr>
+              <a:spcAft>
+                <a:spcPts val="0"/>
+              </a:spcAft>
+            </a:pPr>
+            <a:r>
+              <a:rPr lang="en-CA" sz="900" dirty="0">
+                <a:latin typeface="Courier" pitchFamily="2" charset="0"/>
+                <a:ea typeface="Calibri" panose="020F0502020204030204" pitchFamily="34" charset="0"/>
+                <a:cs typeface="Courier New" panose="02070309020205020404" pitchFamily="49" charset="0"/>
+              </a:rPr>
+              <a:t>    +-+-+-+-+-+-+-+-+-+-+-+-+-+-+-+-+-+-+-+-+-+-+-+-+-+-+-+-+-+-+-+-+</a:t>
+            </a:r>
+          </a:p>
+          <a:p>
+            <a:pPr>
+              <a:spcAft>
+                <a:spcPts val="0"/>
+              </a:spcAft>
+            </a:pPr>
+            <a:r>
+              <a:rPr lang="en-CA" sz="900" dirty="0">
+                <a:latin typeface="Courier" pitchFamily="2" charset="0"/>
+                <a:ea typeface="Calibri" panose="020F0502020204030204" pitchFamily="34" charset="0"/>
+                <a:cs typeface="Courier New" panose="02070309020205020404" pitchFamily="49" charset="0"/>
+              </a:rPr>
+              <a:t> </a:t>
+            </a:r>
+          </a:p>
+          <a:p>
+            <a:pPr>
+              <a:spcAft>
+                <a:spcPts val="0"/>
+              </a:spcAft>
+            </a:pPr>
+            <a:r>
+              <a:rPr lang="en-CA" sz="900" dirty="0">
+                <a:latin typeface="Courier" pitchFamily="2" charset="0"/>
+                <a:ea typeface="Calibri" panose="020F0502020204030204" pitchFamily="34" charset="0"/>
+                <a:cs typeface="Courier New" panose="02070309020205020404" pitchFamily="49" charset="0"/>
+              </a:rPr>
+              <a:t>           Figure: Segment List Sub-TLV in Return Path TLV</a:t>
+            </a:r>
+            <a:endParaRPr lang="en-CA" sz="900" dirty="0">
+              <a:latin typeface="Courier" pitchFamily="2" charset="0"/>
+              <a:cs typeface="Courier New" panose="02070309020205020404" pitchFamily="49" charset="0"/>
             </a:endParaRPr>
           </a:p>
         </p:txBody>
@@ -9879,20 +10074,9 @@
           <a:bodyPr/>
           <a:lstStyle/>
           <a:p>
-            <a:pPr>
-              <a:defRPr/>
-            </a:pPr>
-            <a:r>
-              <a:rPr lang="en-US" altLang="zh-CN" dirty="0"/>
-              <a:t>107</a:t>
-            </a:r>
-            <a:r>
-              <a:rPr lang="en-US" altLang="zh-CN" baseline="30000" dirty="0"/>
-              <a:t>th</a:t>
-            </a:r>
-            <a:r>
-              <a:rPr lang="en-US" altLang="zh-CN" dirty="0"/>
-              <a:t> IETF @ Vancouver</a:t>
+            <a:r>
+              <a:rPr lang="en-CA" dirty="0"/>
+              <a:t>IETF MPLS WG Interim – April 2020 </a:t>
             </a:r>
           </a:p>
         </p:txBody>
@@ -10389,25 +10573,19 @@
             <p:ph type="ftr" sz="quarter" idx="11"/>
           </p:nvPr>
         </p:nvSpPr>
-        <p:spPr/>
+        <p:spPr>
+          <a:xfrm>
+            <a:off x="3124200" y="4772170"/>
+            <a:ext cx="2895600" cy="357188"/>
+          </a:xfrm>
+        </p:spPr>
         <p:txBody>
           <a:bodyPr/>
           <a:lstStyle/>
           <a:p>
-            <a:pPr>
-              <a:defRPr/>
-            </a:pPr>
-            <a:r>
-              <a:rPr lang="en-US" altLang="zh-CN" dirty="0"/>
-              <a:t>107</a:t>
-            </a:r>
-            <a:r>
-              <a:rPr lang="en-US" altLang="zh-CN" baseline="30000" dirty="0"/>
-              <a:t>th</a:t>
-            </a:r>
-            <a:r>
-              <a:rPr lang="en-US" altLang="zh-CN" dirty="0"/>
-              <a:t> IETF @ Vancouver</a:t>
+            <a:r>
+              <a:rPr lang="en-CA" dirty="0"/>
+              <a:t>IETF MPLS WG Interim – April 2020 </a:t>
             </a:r>
           </a:p>
         </p:txBody>

--- a/draft-gandhi-mpls-rfc6374-sr-02.pptx
+++ b/draft-gandhi-mpls-rfc6374-sr-02.pptx
@@ -5492,8 +5492,8 @@
         </p:nvSpPr>
         <p:spPr bwMode="auto">
           <a:xfrm>
-            <a:off x="1828800" y="2343149"/>
-            <a:ext cx="6477000" cy="2057401"/>
+            <a:off x="1857895" y="2579024"/>
+            <a:ext cx="6477000" cy="1295401"/>
           </a:xfrm>
           <a:prstGeom prst="rect">
             <a:avLst/>
@@ -5511,8 +5511,11 @@
           <a:lstStyle/>
           <a:p>
             <a:pPr>
+              <a:lnSpc>
+                <a:spcPts val="1780"/>
+              </a:lnSpc>
               <a:spcBef>
-                <a:spcPct val="20000"/>
+                <a:spcPts val="0"/>
               </a:spcBef>
             </a:pPr>
             <a:r>
@@ -5542,6 +5545,14 @@
             </a:r>
           </a:p>
           <a:p>
+            <a:pPr>
+              <a:lnSpc>
+                <a:spcPts val="1780"/>
+              </a:lnSpc>
+              <a:spcBef>
+                <a:spcPts val="0"/>
+              </a:spcBef>
+            </a:pPr>
             <a:r>
               <a:rPr lang="en-US" sz="1400" i="1" dirty="0">
                 <a:latin typeface="Calibri" charset="0"/>
@@ -5585,6 +5596,14 @@
             </a:r>
           </a:p>
           <a:p>
+            <a:pPr>
+              <a:lnSpc>
+                <a:spcPts val="1780"/>
+              </a:lnSpc>
+              <a:spcBef>
+                <a:spcPts val="0"/>
+              </a:spcBef>
+            </a:pPr>
             <a:r>
               <a:rPr lang="en-US" sz="1400" i="1" dirty="0">
                 <a:latin typeface="Calibri" charset="0"/>
@@ -5628,6 +5647,14 @@
             </a:r>
           </a:p>
           <a:p>
+            <a:pPr>
+              <a:lnSpc>
+                <a:spcPts val="1780"/>
+              </a:lnSpc>
+              <a:spcBef>
+                <a:spcPts val="0"/>
+              </a:spcBef>
+            </a:pPr>
             <a:r>
               <a:rPr lang="en-US" sz="1400" i="1" dirty="0">
                 <a:latin typeface="Calibri" charset="0"/>
@@ -5711,6 +5738,14 @@
             </a:r>
           </a:p>
           <a:p>
+            <a:pPr>
+              <a:lnSpc>
+                <a:spcPts val="1780"/>
+              </a:lnSpc>
+              <a:spcBef>
+                <a:spcPts val="0"/>
+              </a:spcBef>
+            </a:pPr>
             <a:r>
               <a:rPr lang="de-DE" sz="1400" i="1" dirty="0">
                 <a:latin typeface="Calibri" charset="0"/>
@@ -5735,131 +5770,6 @@
                 <a:cs typeface="Calibri" charset="0"/>
               </a:rPr>
               <a:t>)</a:t>
-            </a:r>
-            <a:endParaRPr lang="en-US" sz="1400" i="1" dirty="0">
-              <a:latin typeface="Calibri" charset="0"/>
-              <a:ea typeface="Calibri" charset="0"/>
-              <a:cs typeface="Calibri" charset="0"/>
-            </a:endParaRPr>
-          </a:p>
-          <a:p>
-            <a:endParaRPr lang="en-US" sz="1400" i="1" dirty="0">
-              <a:latin typeface="Calibri" charset="0"/>
-              <a:ea typeface="Calibri" charset="0"/>
-              <a:cs typeface="Calibri" charset="0"/>
-            </a:endParaRPr>
-          </a:p>
-          <a:p>
-            <a:r>
-              <a:rPr lang="en-US" sz="1400" i="1" dirty="0" err="1">
-                <a:latin typeface="Calibri" charset="0"/>
-                <a:ea typeface="Calibri" charset="0"/>
-                <a:cs typeface="Calibri" charset="0"/>
-              </a:rPr>
-              <a:t>Sagar</a:t>
-            </a:r>
-            <a:r>
-              <a:rPr lang="en-US" sz="1400" i="1" dirty="0">
-                <a:latin typeface="Calibri" charset="0"/>
-                <a:ea typeface="Calibri" charset="0"/>
-                <a:cs typeface="Calibri" charset="0"/>
-              </a:rPr>
-              <a:t> </a:t>
-            </a:r>
-            <a:r>
-              <a:rPr lang="en-US" sz="1400" i="1" dirty="0" err="1">
-                <a:latin typeface="Calibri" charset="0"/>
-                <a:ea typeface="Calibri" charset="0"/>
-                <a:cs typeface="Calibri" charset="0"/>
-              </a:rPr>
-              <a:t>Soni</a:t>
-            </a:r>
-            <a:r>
-              <a:rPr lang="en-US" sz="1400" i="1" dirty="0">
-                <a:latin typeface="Calibri" charset="0"/>
-                <a:ea typeface="Calibri" charset="0"/>
-                <a:cs typeface="Calibri" charset="0"/>
-              </a:rPr>
-              <a:t> - Cisco Systems (</a:t>
-            </a:r>
-            <a:r>
-              <a:rPr lang="en-US" sz="1400" i="1" dirty="0">
-                <a:latin typeface="Calibri" charset="0"/>
-                <a:ea typeface="Calibri" charset="0"/>
-                <a:cs typeface="Calibri" charset="0"/>
-                <a:hlinkClick r:id="rId8"/>
-              </a:rPr>
-              <a:t>sagsoni@cisco.com</a:t>
-            </a:r>
-            <a:r>
-              <a:rPr lang="en-US" sz="1400" i="1" dirty="0">
-                <a:latin typeface="Calibri" charset="0"/>
-                <a:ea typeface="Calibri" charset="0"/>
-                <a:cs typeface="Calibri" charset="0"/>
-              </a:rPr>
-              <a:t>)</a:t>
-            </a:r>
-          </a:p>
-          <a:p>
-            <a:r>
-              <a:rPr lang="en-US" sz="1400" i="1" dirty="0">
-                <a:latin typeface="Calibri" charset="0"/>
-                <a:ea typeface="Calibri" charset="0"/>
-                <a:cs typeface="Calibri" charset="0"/>
-              </a:rPr>
-              <a:t>Zafar Ali - Cisco Systems (</a:t>
-            </a:r>
-            <a:r>
-              <a:rPr lang="en-US" sz="1400" i="1" dirty="0">
-                <a:latin typeface="Calibri" charset="0"/>
-                <a:ea typeface="Calibri" charset="0"/>
-                <a:cs typeface="Calibri" charset="0"/>
-                <a:hlinkClick r:id="rId9"/>
-              </a:rPr>
-              <a:t>zali@cisco.com</a:t>
-            </a:r>
-            <a:r>
-              <a:rPr lang="en-US" sz="1400" i="1" dirty="0">
-                <a:latin typeface="Calibri" charset="0"/>
-                <a:ea typeface="Calibri" charset="0"/>
-                <a:cs typeface="Calibri" charset="0"/>
-              </a:rPr>
-              <a:t>)</a:t>
-            </a:r>
-          </a:p>
-          <a:p>
-            <a:r>
-              <a:rPr lang="en-US" sz="1400" i="1" dirty="0">
-                <a:latin typeface="Calibri" charset="0"/>
-                <a:ea typeface="Calibri" charset="0"/>
-                <a:cs typeface="Calibri" charset="0"/>
-              </a:rPr>
-              <a:t>Pier Luigi </a:t>
-            </a:r>
-            <a:r>
-              <a:rPr lang="en-US" sz="1400" i="1" dirty="0" err="1">
-                <a:latin typeface="Calibri" charset="0"/>
-                <a:ea typeface="Calibri" charset="0"/>
-                <a:cs typeface="Calibri" charset="0"/>
-              </a:rPr>
-              <a:t>Ventre</a:t>
-            </a:r>
-            <a:r>
-              <a:rPr lang="en-US" sz="1400" i="1" dirty="0">
-                <a:latin typeface="Calibri" charset="0"/>
-                <a:ea typeface="Calibri" charset="0"/>
-                <a:cs typeface="Calibri" charset="0"/>
-              </a:rPr>
-              <a:t> - CNIT (</a:t>
-            </a:r>
-            <a:r>
-              <a:rPr lang="en-US" sz="1400" i="1" dirty="0">
-                <a:latin typeface="Calibri" charset="0"/>
-                <a:ea typeface="Calibri" charset="0"/>
-                <a:cs typeface="Calibri" charset="0"/>
-                <a:hlinkClick r:id="rId10"/>
-              </a:rPr>
-              <a:t>pierluigi.ventre@cnit.it)</a:t>
             </a:r>
             <a:endParaRPr lang="en-US" sz="1400" i="1" dirty="0">
               <a:latin typeface="Calibri" charset="0"/>
@@ -6039,7 +5949,7 @@
                 <a:ea typeface="Calibri" charset="0"/>
                 <a:cs typeface="Calibri" charset="0"/>
               </a:rPr>
-              <a:t>WG adoption in MPLS WG</a:t>
+              <a:t>adoption in MPLS WG</a:t>
             </a:r>
           </a:p>
         </p:txBody>
@@ -7245,7 +7155,7 @@
         </p:nvSpPr>
         <p:spPr>
           <a:xfrm>
-            <a:off x="3276600" y="4763387"/>
+            <a:off x="3276600" y="4805362"/>
             <a:ext cx="2895600" cy="357188"/>
           </a:xfrm>
         </p:spPr>
@@ -7303,7 +7213,7 @@
         </p:nvSpPr>
         <p:spPr>
           <a:xfrm>
-            <a:off x="762000" y="857250"/>
+            <a:off x="762000" y="819150"/>
             <a:ext cx="7772400" cy="2462213"/>
           </a:xfrm>
           <a:prstGeom prst="rect">
@@ -7467,8 +7377,8 @@
         </p:nvSpPr>
         <p:spPr>
           <a:xfrm>
-            <a:off x="457200" y="3439948"/>
-            <a:ext cx="8305800" cy="1477328"/>
+            <a:off x="457200" y="3361849"/>
+            <a:ext cx="8305800" cy="1631216"/>
           </a:xfrm>
           <a:prstGeom prst="rect">
             <a:avLst/>
@@ -7484,6 +7394,9 @@
               <a:lnSpc>
                 <a:spcPts val="1840"/>
               </a:lnSpc>
+              <a:spcBef>
+                <a:spcPts val="600"/>
+              </a:spcBef>
               <a:buFont typeface="Arial" panose="020B0604020202020204" pitchFamily="34" charset="0"/>
               <a:buChar char="•"/>
             </a:pPr>
@@ -7503,6 +7416,9 @@
               <a:lnSpc>
                 <a:spcPts val="1840"/>
               </a:lnSpc>
+              <a:spcBef>
+                <a:spcPts val="600"/>
+              </a:spcBef>
               <a:buFont typeface="Arial" panose="020B0604020202020204" pitchFamily="34" charset="0"/>
               <a:buChar char="•"/>
             </a:pPr>
@@ -7514,7 +7430,7 @@
                 <a:latin typeface="Calibri" panose="020F0502020204030204" pitchFamily="34" charset="0"/>
                 <a:cs typeface="Calibri" panose="020F0502020204030204" pitchFamily="34" charset="0"/>
               </a:rPr>
-              <a:t>Each responder leaf node adds the "Source Address" TLV (Type 130) [RFC6374] with its IP address in the probe response messages. </a:t>
+              <a:t>Each responder leaf node adds the "Source Address" TLV (Type 130) [RFC6374] with its IP address in the probe response messages</a:t>
             </a:r>
           </a:p>
           <a:p>
@@ -7522,6 +7438,9 @@
               <a:lnSpc>
                 <a:spcPts val="1840"/>
               </a:lnSpc>
+              <a:spcBef>
+                <a:spcPts val="600"/>
+              </a:spcBef>
               <a:buFont typeface="Arial" panose="020B0604020202020204" pitchFamily="34" charset="0"/>
               <a:buChar char="•"/>
             </a:pPr>
@@ -7627,7 +7546,7 @@
                   <a:schemeClr val="tx2"/>
                 </a:solidFill>
               </a:rPr>
-              <a:t>IANA code-points allocated by MPLS WG</a:t>
+              <a:t>IANA code-points to be allocated by MPLS WG</a:t>
             </a:r>
           </a:p>
           <a:p>
@@ -8502,35 +8421,11 @@
             <a:pPr lvl="1"/>
             <a:r>
               <a:rPr lang="en-US" sz="1200" dirty="0"/>
-              <a:t>Draft was first published </a:t>
+              <a:t>Draft was published </a:t>
             </a:r>
             <a:r>
               <a:rPr lang="en-CA" sz="1200" i="1" dirty="0"/>
-              <a:t>draft-</a:t>
-            </a:r>
-            <a:r>
-              <a:rPr lang="en-CA" sz="1200" i="1" dirty="0" err="1"/>
-              <a:t>gandhi</a:t>
-            </a:r>
-            <a:r>
-              <a:rPr lang="en-CA" sz="1200" i="1" dirty="0"/>
-              <a:t>-spring-</a:t>
-            </a:r>
-            <a:r>
-              <a:rPr lang="en-CA" sz="1200" i="1" dirty="0" err="1"/>
-              <a:t>sr</a:t>
-            </a:r>
-            <a:r>
-              <a:rPr lang="en-CA" sz="1200" i="1" dirty="0"/>
-              <a:t>-</a:t>
-            </a:r>
-            <a:r>
-              <a:rPr lang="en-CA" sz="1200" i="1" dirty="0" err="1"/>
-              <a:t>mpls</a:t>
-            </a:r>
-            <a:r>
-              <a:rPr lang="en-CA" sz="1200" i="1" dirty="0"/>
-              <a:t>-pm</a:t>
+              <a:t>draft-gandhi-spring-sr-mpls-pm-00</a:t>
             </a:r>
             <a:endParaRPr lang="en-US" sz="1200" i="1" dirty="0"/>
           </a:p>
@@ -8557,39 +8452,15 @@
             <a:pPr lvl="1"/>
             <a:r>
               <a:rPr lang="en-US" sz="1200" dirty="0"/>
-              <a:t>Presented revision-03 </a:t>
+              <a:t>Presented </a:t>
             </a:r>
             <a:r>
               <a:rPr lang="en-CA" sz="1200" i="1" dirty="0"/>
-              <a:t>draft-</a:t>
-            </a:r>
-            <a:r>
-              <a:rPr lang="en-CA" sz="1200" i="1" dirty="0" err="1"/>
-              <a:t>gandhi</a:t>
-            </a:r>
-            <a:r>
-              <a:rPr lang="en-CA" sz="1200" i="1" dirty="0"/>
-              <a:t>-spring-</a:t>
-            </a:r>
-            <a:r>
-              <a:rPr lang="en-CA" sz="1200" i="1" dirty="0" err="1"/>
-              <a:t>sr</a:t>
-            </a:r>
-            <a:r>
-              <a:rPr lang="en-CA" sz="1200" i="1" dirty="0"/>
-              <a:t>-</a:t>
-            </a:r>
-            <a:r>
-              <a:rPr lang="en-CA" sz="1200" i="1" dirty="0" err="1"/>
-              <a:t>mpls</a:t>
-            </a:r>
-            <a:r>
-              <a:rPr lang="en-CA" sz="1200" i="1" dirty="0"/>
-              <a:t>-pm </a:t>
+              <a:t>draft-gandhi-spring-sr-mpls-pm-03</a:t>
             </a:r>
             <a:r>
               <a:rPr lang="en-US" sz="1200" dirty="0"/>
-              <a:t>of at IETF 103 Bangkok in SPRING and IPPM WGs</a:t>
+              <a:t> at IETF 103 Bangkok in SPRING and IPPM WGs</a:t>
             </a:r>
           </a:p>
           <a:p>
@@ -8606,7 +8477,7 @@
             </a:r>
             <a:r>
               <a:rPr lang="en-CA" sz="1200" i="1" dirty="0"/>
-              <a:t>draft-gandhi-spring-rfc6374-srpm-mpls</a:t>
+              <a:t>draft-gandhi-spring-rfc6374-srpm-mpls-00</a:t>
             </a:r>
             <a:endParaRPr lang="en-US" sz="1200" i="1" dirty="0"/>
           </a:p>
@@ -8620,11 +8491,11 @@
             <a:pPr lvl="1"/>
             <a:r>
               <a:rPr lang="en-US" sz="1200" dirty="0"/>
-              <a:t>Presented revision-00 of </a:t>
+              <a:t>Presented </a:t>
             </a:r>
             <a:r>
               <a:rPr lang="en-CA" sz="1200" i="1" dirty="0"/>
-              <a:t>draft-gandhi-spring-rfc6374-srpm-mpls </a:t>
+              <a:t>draft-gandhi-spring-rfc6374-srpm-mpls-00 </a:t>
             </a:r>
             <a:r>
               <a:rPr lang="en-US" sz="1200" dirty="0"/>
@@ -8640,7 +8511,7 @@
           <a:p>
             <a:pPr lvl="1"/>
             <a:r>
-              <a:rPr lang="en-US" sz="1200" dirty="0"/>
+              <a:rPr lang="en-US" sz="1200" b="1" dirty="0"/>
               <a:t>Chairs agreed to progress the work in MPLS WG</a:t>
             </a:r>
           </a:p>
@@ -8652,7 +8523,7 @@
             </a:r>
             <a:r>
               <a:rPr lang="en-US" sz="1200" i="1" dirty="0"/>
-              <a:t>draft-gandhi-mpls-rfc6374-sr</a:t>
+              <a:t>draft-gandhi-mpls-rfc6374-sr-00</a:t>
             </a:r>
             <a:endParaRPr lang="en-US" sz="1200" dirty="0"/>
           </a:p>
@@ -8666,15 +8537,15 @@
             <a:pPr lvl="1"/>
             <a:r>
               <a:rPr lang="en-US" sz="1200" dirty="0"/>
-              <a:t>Presented revision-00 of </a:t>
+              <a:t>Presented </a:t>
             </a:r>
             <a:r>
               <a:rPr lang="en-US" sz="1200" i="1" dirty="0"/>
-              <a:t>draft-gandhi-mpls-rfc6374-sr </a:t>
+              <a:t>draft-gandhi-mpls-rfc6374-sr-00 </a:t>
             </a:r>
             <a:r>
               <a:rPr lang="en-US" sz="1200" dirty="0"/>
-              <a:t>in MPLS WG</a:t>
+              <a:t>at IETF 106 Singapore in MPLS WG</a:t>
             </a:r>
           </a:p>
           <a:p>
@@ -8796,7 +8667,7 @@
                 <a:latin typeface="Calibri Light" panose="020F0302020204030204" pitchFamily="34" charset="0"/>
                 <a:cs typeface="Calibri Light" panose="020F0302020204030204" pitchFamily="34" charset="0"/>
               </a:rPr>
-              <a:t>Updates Since IETF-106</a:t>
+              <a:t>Updates Since IETF-106 (Version 00)</a:t>
             </a:r>
           </a:p>
         </p:txBody>
@@ -8825,6 +8696,9 @@
               <a:lnSpc>
                 <a:spcPts val="2020"/>
               </a:lnSpc>
+              <a:spcBef>
+                <a:spcPts val="600"/>
+              </a:spcBef>
               <a:buNone/>
             </a:pPr>
             <a:r>
@@ -8837,6 +8711,9 @@
               <a:lnSpc>
                 <a:spcPts val="2020"/>
               </a:lnSpc>
+              <a:spcBef>
+                <a:spcPts val="600"/>
+              </a:spcBef>
               <a:buFont typeface="Wingdings" pitchFamily="2" charset="2"/>
               <a:buChar char="ü"/>
             </a:pPr>
@@ -8850,6 +8727,9 @@
               <a:lnSpc>
                 <a:spcPts val="2020"/>
               </a:lnSpc>
+              <a:spcBef>
+                <a:spcPts val="600"/>
+              </a:spcBef>
               <a:buFont typeface="Wingdings" pitchFamily="2" charset="2"/>
               <a:buChar char="ü"/>
             </a:pPr>
@@ -8863,6 +8743,9 @@
               <a:lnSpc>
                 <a:spcPts val="2020"/>
               </a:lnSpc>
+              <a:spcBef>
+                <a:spcPts val="600"/>
+              </a:spcBef>
               <a:buFont typeface="Wingdings" pitchFamily="2" charset="2"/>
               <a:buChar char="ü"/>
             </a:pPr>
@@ -8876,6 +8759,9 @@
               <a:lnSpc>
                 <a:spcPts val="2020"/>
               </a:lnSpc>
+              <a:spcBef>
+                <a:spcPts val="600"/>
+              </a:spcBef>
               <a:buFont typeface="Wingdings" pitchFamily="2" charset="2"/>
               <a:buChar char="ü"/>
             </a:pPr>
@@ -8889,6 +8775,9 @@
               <a:lnSpc>
                 <a:spcPts val="2020"/>
               </a:lnSpc>
+              <a:spcBef>
+                <a:spcPts val="600"/>
+              </a:spcBef>
               <a:buFont typeface="Wingdings" pitchFamily="2" charset="2"/>
               <a:buChar char="ü"/>
             </a:pPr>
@@ -8902,6 +8791,9 @@
               <a:lnSpc>
                 <a:spcPts val="2020"/>
               </a:lnSpc>
+              <a:spcBef>
+                <a:spcPts val="600"/>
+              </a:spcBef>
               <a:buNone/>
             </a:pPr>
             <a:endParaRPr lang="en-US" sz="1800" dirty="0"/>
@@ -8911,6 +8803,9 @@
               <a:lnSpc>
                 <a:spcPts val="2020"/>
               </a:lnSpc>
+              <a:spcBef>
+                <a:spcPts val="600"/>
+              </a:spcBef>
               <a:buNone/>
             </a:pPr>
             <a:r>
@@ -8923,6 +8818,9 @@
               <a:lnSpc>
                 <a:spcPts val="2020"/>
               </a:lnSpc>
+              <a:spcBef>
+                <a:spcPts val="600"/>
+              </a:spcBef>
               <a:buFont typeface="Wingdings" charset="2"/>
               <a:buChar char="§"/>
             </a:pPr>
@@ -9555,7 +9453,7 @@
                 <a:ea typeface="Calibri" panose="020F0502020204030204" pitchFamily="34" charset="0"/>
                 <a:cs typeface="Calibri" panose="020F0502020204030204" pitchFamily="34" charset="0"/>
               </a:rPr>
-              <a:t>Sub-TLVs</a:t>
+              <a:t>Sub-TLV Types:</a:t>
             </a:r>
           </a:p>
           <a:p>
@@ -10314,7 +10212,7 @@
         <p:spPr>
           <a:xfrm>
             <a:off x="614238" y="3085509"/>
-            <a:ext cx="7843962" cy="1569660"/>
+            <a:ext cx="7843962" cy="1323439"/>
           </a:xfrm>
           <a:prstGeom prst="rect">
             <a:avLst/>
@@ -10357,7 +10255,7 @@
                 <a:latin typeface="Calibri" panose="020F0502020204030204" pitchFamily="34" charset="0"/>
                 <a:cs typeface="Calibri" panose="020F0502020204030204" pitchFamily="34" charset="0"/>
               </a:rPr>
-              <a:t>When using Alternate Marking Method to identify and correlate the counters from the two end-points</a:t>
+              <a:t>Correlate the counters from two end-points</a:t>
             </a:r>
           </a:p>
           <a:p>

--- a/draft-gandhi-mpls-rfc6374-sr-02.pptx
+++ b/draft-gandhi-mpls-rfc6374-sr-02.pptx
@@ -5492,7 +5492,7 @@
         </p:nvSpPr>
         <p:spPr bwMode="auto">
           <a:xfrm>
-            <a:off x="1857895" y="2579024"/>
+            <a:off x="1885604" y="2571750"/>
             <a:ext cx="6477000" cy="1295401"/>
           </a:xfrm>
           <a:prstGeom prst="rect">
@@ -5512,7 +5512,7 @@
           <a:p>
             <a:pPr>
               <a:lnSpc>
-                <a:spcPts val="1780"/>
+                <a:spcPts val="1980"/>
               </a:lnSpc>
               <a:spcBef>
                 <a:spcPts val="0"/>
@@ -5547,7 +5547,7 @@
           <a:p>
             <a:pPr>
               <a:lnSpc>
-                <a:spcPts val="1780"/>
+                <a:spcPts val="1980"/>
               </a:lnSpc>
               <a:spcBef>
                 <a:spcPts val="0"/>
@@ -5598,7 +5598,7 @@
           <a:p>
             <a:pPr>
               <a:lnSpc>
-                <a:spcPts val="1780"/>
+                <a:spcPts val="1980"/>
               </a:lnSpc>
               <a:spcBef>
                 <a:spcPts val="0"/>
@@ -5649,7 +5649,7 @@
           <a:p>
             <a:pPr>
               <a:lnSpc>
-                <a:spcPts val="1780"/>
+                <a:spcPts val="1980"/>
               </a:lnSpc>
               <a:spcBef>
                 <a:spcPts val="0"/>
@@ -5740,7 +5740,7 @@
           <a:p>
             <a:pPr>
               <a:lnSpc>
-                <a:spcPts val="1780"/>
+                <a:spcPts val="1980"/>
               </a:lnSpc>
               <a:spcBef>
                 <a:spcPts val="0"/>
@@ -6772,7 +6772,7 @@
         </p:nvSpPr>
         <p:spPr>
           <a:xfrm>
-            <a:off x="533399" y="4000194"/>
+            <a:off x="533398" y="3926151"/>
             <a:ext cx="8077201" cy="948797"/>
           </a:xfrm>
         </p:spPr>
@@ -7377,7 +7377,7 @@
         </p:nvSpPr>
         <p:spPr>
           <a:xfrm>
-            <a:off x="457200" y="3361849"/>
+            <a:off x="461356" y="3281363"/>
             <a:ext cx="8305800" cy="1631216"/>
           </a:xfrm>
           <a:prstGeom prst="rect">
@@ -8208,7 +8208,7 @@
               <a:buChar char="§"/>
             </a:pPr>
             <a:r>
-              <a:rPr lang="en-US" sz="1400" dirty="0"/>
+              <a:rPr lang="en-US" sz="1800" dirty="0"/>
               <a:t>SR Links and end-to-end P2P/ P2MP SR Policies</a:t>
             </a:r>
           </a:p>
@@ -8404,8 +8404,8 @@
         </p:nvSpPr>
         <p:spPr>
           <a:xfrm>
-            <a:off x="496720" y="865414"/>
-            <a:ext cx="8229600" cy="3593607"/>
+            <a:off x="647700" y="889462"/>
+            <a:ext cx="7848600" cy="3593607"/>
           </a:xfrm>
         </p:spPr>
         <p:txBody>
@@ -8439,7 +8439,15 @@
             <a:pPr lvl="1"/>
             <a:r>
               <a:rPr lang="en-US" sz="1200" dirty="0"/>
-              <a:t>Draft was introduced at IETF 102 Montreal in SPRING WG</a:t>
+              <a:t>Draft </a:t>
+            </a:r>
+            <a:r>
+              <a:rPr lang="en-CA" sz="1200" i="1" dirty="0"/>
+              <a:t>draft-gandhi-spring-sr-mpls-pm-02 </a:t>
+            </a:r>
+            <a:r>
+              <a:rPr lang="en-US" sz="1200" dirty="0"/>
+              <a:t>was introduced at IETF 102 Montreal in SPRING WG</a:t>
             </a:r>
           </a:p>
           <a:p>
@@ -8684,7 +8692,7 @@
         </p:nvSpPr>
         <p:spPr>
           <a:xfrm>
-            <a:off x="457200" y="940594"/>
+            <a:off x="457200" y="1047750"/>
             <a:ext cx="8229600" cy="3262312"/>
           </a:xfrm>
         </p:spPr>
@@ -9138,7 +9146,7 @@
         </p:nvSpPr>
         <p:spPr>
           <a:xfrm>
-            <a:off x="3276600" y="4763387"/>
+            <a:off x="3196318" y="4786312"/>
             <a:ext cx="2895600" cy="357188"/>
           </a:xfrm>
         </p:spPr>
@@ -9453,7 +9461,26 @@
                 <a:ea typeface="Calibri" panose="020F0502020204030204" pitchFamily="34" charset="0"/>
                 <a:cs typeface="Calibri" panose="020F0502020204030204" pitchFamily="34" charset="0"/>
               </a:rPr>
-              <a:t>Sub-TLV Types:</a:t>
+              <a:t>Sub-TLV </a:t>
+            </a:r>
+            <a:r>
+              <a:rPr lang="en-CA" sz="1600" dirty="0">
+                <a:solidFill>
+                  <a:srgbClr val="0070C0"/>
+                </a:solidFill>
+                <a:latin typeface="Calibri" panose="020F0502020204030204" pitchFamily="34" charset="0"/>
+                <a:ea typeface="Calibri" panose="020F0502020204030204" pitchFamily="34" charset="0"/>
+                <a:cs typeface="Calibri" panose="020F0502020204030204" pitchFamily="34" charset="0"/>
+              </a:rPr>
+              <a:t>Types</a:t>
+            </a:r>
+            <a:r>
+              <a:rPr lang="en-CA" sz="1600" dirty="0">
+                <a:latin typeface="Calibri" panose="020F0502020204030204" pitchFamily="34" charset="0"/>
+                <a:ea typeface="Calibri" panose="020F0502020204030204" pitchFamily="34" charset="0"/>
+                <a:cs typeface="Calibri" panose="020F0502020204030204" pitchFamily="34" charset="0"/>
+              </a:rPr>
+              <a:t>:</a:t>
             </a:r>
           </a:p>
           <a:p>
@@ -10176,7 +10203,7 @@
         </p:nvSpPr>
         <p:spPr>
           <a:xfrm>
-            <a:off x="381000" y="109370"/>
+            <a:off x="421419" y="29902"/>
             <a:ext cx="8229600" cy="857250"/>
           </a:xfrm>
         </p:spPr>
@@ -10211,8 +10238,8 @@
         </p:nvSpPr>
         <p:spPr>
           <a:xfrm>
-            <a:off x="614238" y="3085509"/>
-            <a:ext cx="7843962" cy="1323439"/>
+            <a:off x="499938" y="3017878"/>
+            <a:ext cx="8229600" cy="1569660"/>
           </a:xfrm>
           <a:prstGeom prst="rect">
             <a:avLst/>
@@ -10248,6 +10275,16 @@
               <a:buChar char="•"/>
             </a:pPr>
             <a:r>
+              <a:rPr lang="en-US" sz="1600" b="1" dirty="0">
+                <a:solidFill>
+                  <a:schemeClr val="tx2"/>
+                </a:solidFill>
+                <a:latin typeface="Calibri" panose="020F0502020204030204" pitchFamily="34" charset="0"/>
+                <a:cs typeface="Calibri" panose="020F0502020204030204" pitchFamily="34" charset="0"/>
+              </a:rPr>
+              <a:t>Correlate</a:t>
+            </a:r>
+            <a:r>
               <a:rPr lang="en-US" sz="1600" dirty="0">
                 <a:solidFill>
                   <a:schemeClr val="tx2"/>
@@ -10255,7 +10292,7 @@
                 <a:latin typeface="Calibri" panose="020F0502020204030204" pitchFamily="34" charset="0"/>
                 <a:cs typeface="Calibri" panose="020F0502020204030204" pitchFamily="34" charset="0"/>
               </a:rPr>
-              <a:t>Correlate the counters from two end-points</a:t>
+              <a:t> PM data (e.g. counters) from both endpoints</a:t>
             </a:r>
           </a:p>
           <a:p>
@@ -10271,7 +10308,49 @@
                 <a:latin typeface="Calibri" panose="020F0502020204030204" pitchFamily="34" charset="0"/>
                 <a:cs typeface="Calibri" panose="020F0502020204030204" pitchFamily="34" charset="0"/>
               </a:rPr>
-              <a:t>TLV is mandatory when used and if responder does not support, it MUST return Error </a:t>
+              <a:t>Aggregate</a:t>
+            </a:r>
+            <a:r>
+              <a:rPr lang="en-US" sz="1600" dirty="0">
+                <a:solidFill>
+                  <a:schemeClr val="tx2"/>
+                </a:solidFill>
+                <a:latin typeface="Calibri" panose="020F0502020204030204" pitchFamily="34" charset="0"/>
+                <a:cs typeface="Calibri" panose="020F0502020204030204" pitchFamily="34" charset="0"/>
+              </a:rPr>
+              <a:t> PM data collected in data plane</a:t>
+            </a:r>
+          </a:p>
+          <a:p>
+            <a:pPr marL="285750" indent="-285750">
+              <a:buFont typeface="Arial" panose="020B0604020202020204" pitchFamily="34" charset="0"/>
+              <a:buChar char="•"/>
+            </a:pPr>
+            <a:r>
+              <a:rPr lang="en-US" sz="1600" b="1" dirty="0">
+                <a:solidFill>
+                  <a:schemeClr val="tx2"/>
+                </a:solidFill>
+                <a:latin typeface="Calibri" panose="020F0502020204030204" pitchFamily="34" charset="0"/>
+                <a:cs typeface="Calibri" panose="020F0502020204030204" pitchFamily="34" charset="0"/>
+              </a:rPr>
+              <a:t>TLV is mandatory when used and if responder does not support, it MUST return </a:t>
+            </a:r>
+          </a:p>
+          <a:p>
+            <a:pPr marL="742950" lvl="1" indent="-285750">
+              <a:buFont typeface="Arial" panose="020B0604020202020204" pitchFamily="34" charset="0"/>
+              <a:buChar char="•"/>
+            </a:pPr>
+            <a:r>
+              <a:rPr lang="en-US" sz="1600" b="1" dirty="0">
+                <a:solidFill>
+                  <a:schemeClr val="tx2"/>
+                </a:solidFill>
+                <a:latin typeface="Calibri" panose="020F0502020204030204" pitchFamily="34" charset="0"/>
+                <a:cs typeface="Calibri" panose="020F0502020204030204" pitchFamily="34" charset="0"/>
+              </a:rPr>
+              <a:t>Error </a:t>
             </a:r>
             <a:r>
               <a:rPr lang="en-CA" sz="1600" b="1" dirty="0">

--- a/draft-gandhi-mpls-rfc6374-sr-02.pptx
+++ b/draft-gandhi-mpls-rfc6374-sr-02.pptx
@@ -5492,8 +5492,8 @@
         </p:nvSpPr>
         <p:spPr bwMode="auto">
           <a:xfrm>
-            <a:off x="1885604" y="2571750"/>
-            <a:ext cx="6477000" cy="1295401"/>
+            <a:off x="1447800" y="2571750"/>
+            <a:ext cx="7086600" cy="1295401"/>
           </a:xfrm>
           <a:prstGeom prst="rect">
             <a:avLst/>
@@ -5519,7 +5519,7 @@
               </a:spcBef>
             </a:pPr>
             <a:r>
-              <a:rPr lang="en-US" altLang="zh-CN" sz="1400" i="1" dirty="0">
+              <a:rPr lang="en-US" altLang="zh-CN" sz="1600" i="1" dirty="0">
                 <a:latin typeface="Calibri" charset="0"/>
                 <a:ea typeface="Calibri" charset="0"/>
                 <a:cs typeface="Calibri" charset="0"/>
@@ -5527,7 +5527,7 @@
               <a:t>Rakesh Gandhi - Cisco Systems (</a:t>
             </a:r>
             <a:r>
-              <a:rPr lang="en-US" altLang="zh-CN" sz="1400" i="1" dirty="0">
+              <a:rPr lang="en-US" altLang="zh-CN" sz="1600" i="1" dirty="0">
                 <a:latin typeface="Calibri" charset="0"/>
                 <a:ea typeface="Calibri" charset="0"/>
                 <a:cs typeface="Calibri" charset="0"/>
@@ -5536,7 +5536,7 @@
               <a:t>rgandhi@cisco.com</a:t>
             </a:r>
             <a:r>
-              <a:rPr lang="en-US" altLang="zh-CN" sz="1400" i="1" dirty="0">
+              <a:rPr lang="en-US" altLang="zh-CN" sz="1600" i="1" dirty="0">
                 <a:latin typeface="Calibri" charset="0"/>
                 <a:ea typeface="Calibri" charset="0"/>
                 <a:cs typeface="Calibri" charset="0"/>
@@ -5554,7 +5554,7 @@
               </a:spcBef>
             </a:pPr>
             <a:r>
-              <a:rPr lang="en-US" sz="1400" i="1" dirty="0">
+              <a:rPr lang="en-US" sz="1600" i="1" dirty="0">
                 <a:latin typeface="Calibri" charset="0"/>
                 <a:ea typeface="Calibri" charset="0"/>
                 <a:cs typeface="Calibri" charset="0"/>
@@ -5562,7 +5562,7 @@
               <a:t>Clarence </a:t>
             </a:r>
             <a:r>
-              <a:rPr lang="en-US" sz="1400" i="1" dirty="0" err="1">
+              <a:rPr lang="en-US" sz="1600" i="1" dirty="0" err="1">
                 <a:latin typeface="Calibri" charset="0"/>
                 <a:ea typeface="Calibri" charset="0"/>
                 <a:cs typeface="Calibri" charset="0"/>
@@ -5570,7 +5570,7 @@
               <a:t>Filsfils</a:t>
             </a:r>
             <a:r>
-              <a:rPr lang="en-US" sz="1400" i="1" dirty="0">
+              <a:rPr lang="en-US" sz="1600" i="1" dirty="0">
                 <a:latin typeface="Calibri" charset="0"/>
                 <a:ea typeface="Calibri" charset="0"/>
                 <a:cs typeface="Calibri" charset="0"/>
@@ -5578,7 +5578,7 @@
               <a:t> - Cisco Systems (</a:t>
             </a:r>
             <a:r>
-              <a:rPr lang="en-US" sz="1400" i="1" dirty="0">
+              <a:rPr lang="en-US" sz="1600" i="1" dirty="0">
                 <a:latin typeface="Calibri" charset="0"/>
                 <a:ea typeface="Calibri" charset="0"/>
                 <a:cs typeface="Calibri" charset="0"/>
@@ -5587,7 +5587,7 @@
               <a:t>cfilsfil@cisco.com</a:t>
             </a:r>
             <a:r>
-              <a:rPr lang="en-US" sz="1400" i="1" dirty="0">
+              <a:rPr lang="en-US" sz="1600" i="1" dirty="0">
                 <a:latin typeface="Calibri" charset="0"/>
                 <a:ea typeface="Calibri" charset="0"/>
                 <a:cs typeface="Calibri" charset="0"/>
@@ -5605,7 +5605,7 @@
               </a:spcBef>
             </a:pPr>
             <a:r>
-              <a:rPr lang="en-US" sz="1400" i="1" dirty="0">
+              <a:rPr lang="en-US" sz="1600" i="1" dirty="0">
                 <a:latin typeface="Calibri" charset="0"/>
                 <a:ea typeface="Calibri" charset="0"/>
                 <a:cs typeface="Calibri" charset="0"/>
@@ -5613,7 +5613,7 @@
               <a:t>Daniel </a:t>
             </a:r>
             <a:r>
-              <a:rPr lang="en-US" sz="1400" i="1" dirty="0" err="1">
+              <a:rPr lang="en-US" sz="1600" i="1" dirty="0" err="1">
                 <a:latin typeface="Calibri" charset="0"/>
                 <a:ea typeface="Calibri" charset="0"/>
                 <a:cs typeface="Calibri" charset="0"/>
@@ -5621,7 +5621,7 @@
               <a:t>Voyer</a:t>
             </a:r>
             <a:r>
-              <a:rPr lang="en-US" sz="1400" i="1" dirty="0">
+              <a:rPr lang="en-US" sz="1600" i="1" dirty="0">
                 <a:latin typeface="Calibri" charset="0"/>
                 <a:ea typeface="Calibri" charset="0"/>
                 <a:cs typeface="Calibri" charset="0"/>
@@ -5629,7 +5629,7 @@
               <a:t> - Bell Canada (</a:t>
             </a:r>
             <a:r>
-              <a:rPr lang="en-US" sz="1400" i="1" dirty="0">
+              <a:rPr lang="en-US" sz="1600" i="1" dirty="0">
                 <a:latin typeface="Calibri" charset="0"/>
                 <a:ea typeface="Calibri" charset="0"/>
                 <a:cs typeface="Calibri" charset="0"/>
@@ -5638,7 +5638,7 @@
               <a:t>daniel.voyer@bell.ca</a:t>
             </a:r>
             <a:r>
-              <a:rPr lang="en-US" sz="1400" i="1" dirty="0">
+              <a:rPr lang="en-US" sz="1600" i="1" dirty="0">
                 <a:latin typeface="Calibri" charset="0"/>
                 <a:ea typeface="Calibri" charset="0"/>
                 <a:cs typeface="Calibri" charset="0"/>
@@ -5656,7 +5656,7 @@
               </a:spcBef>
             </a:pPr>
             <a:r>
-              <a:rPr lang="en-US" sz="1400" i="1" dirty="0">
+              <a:rPr lang="en-US" sz="1600" i="1" dirty="0">
                 <a:latin typeface="Calibri" charset="0"/>
                 <a:ea typeface="Calibri" charset="0"/>
                 <a:cs typeface="Calibri" charset="0"/>
@@ -5664,7 +5664,7 @@
               <a:t>Stefano </a:t>
             </a:r>
             <a:r>
-              <a:rPr lang="en-US" sz="1400" i="1" dirty="0" err="1">
+              <a:rPr lang="en-US" sz="1600" i="1" dirty="0" err="1">
                 <a:latin typeface="Calibri" charset="0"/>
                 <a:ea typeface="Calibri" charset="0"/>
                 <a:cs typeface="Calibri" charset="0"/>
@@ -5672,7 +5672,7 @@
               <a:t>Salsano</a:t>
             </a:r>
             <a:r>
-              <a:rPr lang="en-US" sz="1400" i="1" dirty="0">
+              <a:rPr lang="en-US" sz="1600" i="1" dirty="0">
                 <a:latin typeface="Calibri" charset="0"/>
                 <a:ea typeface="Calibri" charset="0"/>
                 <a:cs typeface="Calibri" charset="0"/>
@@ -5680,7 +5680,7 @@
               <a:t> - </a:t>
             </a:r>
             <a:r>
-              <a:rPr lang="en-US" altLang="en-US" sz="1400" i="1" dirty="0" err="1">
+              <a:rPr lang="en-US" altLang="en-US" sz="1600" i="1" dirty="0" err="1">
                 <a:latin typeface="Calibri" charset="0"/>
                 <a:ea typeface="Calibri" charset="0"/>
                 <a:cs typeface="Calibri" charset="0"/>
@@ -5688,7 +5688,7 @@
               <a:t>Universita</a:t>
             </a:r>
             <a:r>
-              <a:rPr lang="en-US" altLang="en-US" sz="1400" i="1" dirty="0">
+              <a:rPr lang="en-US" altLang="en-US" sz="1600" i="1" dirty="0">
                 <a:latin typeface="Calibri" charset="0"/>
                 <a:ea typeface="Calibri" charset="0"/>
                 <a:cs typeface="Calibri" charset="0"/>
@@ -5696,7 +5696,7 @@
               <a:t> di Roma "Tor </a:t>
             </a:r>
             <a:r>
-              <a:rPr lang="en-US" altLang="en-US" sz="1400" i="1" dirty="0" err="1">
+              <a:rPr lang="en-US" altLang="en-US" sz="1600" i="1" dirty="0" err="1">
                 <a:latin typeface="Calibri" charset="0"/>
                 <a:ea typeface="Calibri" charset="0"/>
                 <a:cs typeface="Calibri" charset="0"/>
@@ -5704,7 +5704,7 @@
               <a:t>Vergata</a:t>
             </a:r>
             <a:r>
-              <a:rPr lang="en-US" altLang="en-US" sz="1400" i="1" dirty="0">
+              <a:rPr lang="en-US" altLang="en-US" sz="1600" i="1" dirty="0">
                 <a:latin typeface="Calibri" charset="0"/>
                 <a:ea typeface="Calibri" charset="0"/>
                 <a:cs typeface="Calibri" charset="0"/>
@@ -5712,7 +5712,7 @@
               <a:t>"</a:t>
             </a:r>
             <a:r>
-              <a:rPr lang="en-US" sz="1400" i="1" dirty="0">
+              <a:rPr lang="en-US" sz="1600" i="1" dirty="0">
                 <a:latin typeface="Calibri" charset="0"/>
                 <a:ea typeface="Calibri" charset="0"/>
                 <a:cs typeface="Calibri" charset="0"/>
@@ -5720,7 +5720,7 @@
               <a:t> (</a:t>
             </a:r>
             <a:r>
-              <a:rPr lang="en-US" sz="1400" i="1" u="sng" dirty="0">
+              <a:rPr lang="en-US" sz="1600" i="1" u="sng" dirty="0">
                 <a:latin typeface="Calibri" charset="0"/>
                 <a:ea typeface="Calibri" charset="0"/>
                 <a:cs typeface="Calibri" charset="0"/>
@@ -5729,7 +5729,7 @@
               <a:t>stefano.salsano@uniroma2.it</a:t>
             </a:r>
             <a:r>
-              <a:rPr lang="en-US" sz="1400" i="1" dirty="0">
+              <a:rPr lang="en-US" sz="1600" i="1" dirty="0">
                 <a:latin typeface="Calibri" charset="0"/>
                 <a:ea typeface="Calibri" charset="0"/>
                 <a:cs typeface="Calibri" charset="0"/>
@@ -5747,7 +5747,7 @@
               </a:spcBef>
             </a:pPr>
             <a:r>
-              <a:rPr lang="de-DE" sz="1400" i="1" dirty="0">
+              <a:rPr lang="de-DE" sz="1600" i="1" dirty="0">
                 <a:latin typeface="Calibri" charset="0"/>
                 <a:ea typeface="Calibri" charset="0"/>
                 <a:cs typeface="Calibri" charset="0"/>
@@ -5755,7 +5755,7 @@
               <a:t>Mach Chen - Huawei (</a:t>
             </a:r>
             <a:r>
-              <a:rPr lang="de-DE" sz="1400" i="1" dirty="0">
+              <a:rPr lang="de-DE" sz="1600" i="1" dirty="0">
                 <a:latin typeface="Calibri" charset="0"/>
                 <a:ea typeface="Calibri" charset="0"/>
                 <a:cs typeface="Calibri" charset="0"/>
@@ -5764,14 +5764,14 @@
               <a:t>mach.chen@huawei.com</a:t>
             </a:r>
             <a:r>
-              <a:rPr lang="de-DE" sz="1400" i="1" dirty="0">
+              <a:rPr lang="de-DE" sz="1600" i="1" dirty="0">
                 <a:latin typeface="Calibri" charset="0"/>
                 <a:ea typeface="Calibri" charset="0"/>
                 <a:cs typeface="Calibri" charset="0"/>
               </a:rPr>
               <a:t>)</a:t>
             </a:r>
-            <a:endParaRPr lang="en-US" sz="1400" i="1" dirty="0">
+            <a:endParaRPr lang="en-US" sz="1600" i="1" dirty="0">
               <a:latin typeface="Calibri" charset="0"/>
               <a:ea typeface="Calibri" charset="0"/>
               <a:cs typeface="Calibri" charset="0"/>
@@ -7213,8 +7213,8 @@
         </p:nvSpPr>
         <p:spPr>
           <a:xfrm>
-            <a:off x="762000" y="819150"/>
-            <a:ext cx="7772400" cy="2462213"/>
+            <a:off x="1181100" y="857876"/>
+            <a:ext cx="6629400" cy="2123658"/>
           </a:xfrm>
           <a:prstGeom prst="rect">
             <a:avLst/>
@@ -7232,7 +7232,7 @@
           <a:lstStyle/>
           <a:p>
             <a:r>
-              <a:rPr lang="en-CA" sz="1400" dirty="0">
+              <a:rPr lang="en-CA" sz="1200" dirty="0">
                 <a:latin typeface="Courier" pitchFamily="2" charset="0"/>
               </a:rPr>
               <a:t>    0                   1                   2                   3</a:t>
@@ -7240,7 +7240,7 @@
           </a:p>
           <a:p>
             <a:r>
-              <a:rPr lang="en-CA" sz="1400" dirty="0">
+              <a:rPr lang="en-CA" sz="1200" dirty="0">
                 <a:latin typeface="Courier" pitchFamily="2" charset="0"/>
               </a:rPr>
               <a:t>    0 1 2 3 4 5 6 7 8 9 0 1 2 3 4 5 6 7 8 9 0 1 2 3 4 5 6 7 8 9 0 1</a:t>
@@ -7248,7 +7248,7 @@
           </a:p>
           <a:p>
             <a:r>
-              <a:rPr lang="en-CA" sz="1400" dirty="0">
+              <a:rPr lang="en-CA" sz="1200" dirty="0">
                 <a:latin typeface="Courier" pitchFamily="2" charset="0"/>
               </a:rPr>
               <a:t>    +-+-+-+-+-+-+-+-+-+-+-+-+-+-+-+-+-+-+-+-+-+-+-+-+-+-+-+-+-+-+-+-+</a:t>
@@ -7256,7 +7256,7 @@
           </a:p>
           <a:p>
             <a:r>
-              <a:rPr lang="en-CA" sz="1400" dirty="0">
+              <a:rPr lang="en-CA" sz="1200" dirty="0">
                 <a:latin typeface="Courier" pitchFamily="2" charset="0"/>
               </a:rPr>
               <a:t>    |              Replication SID          | TC  |S|      TTL      |</a:t>
@@ -7264,7 +7264,7 @@
           </a:p>
           <a:p>
             <a:r>
-              <a:rPr lang="en-CA" sz="1400" dirty="0">
+              <a:rPr lang="en-CA" sz="1200" dirty="0">
                 <a:latin typeface="Courier" pitchFamily="2" charset="0"/>
               </a:rPr>
               <a:t>    +-+-+-+-+-+-+-+-+-+-+-+-+-+-+-+-+-+-+-+-+-+-+-+-+-+-+-+-+-+-+-+-+</a:t>
@@ -7272,7 +7272,7 @@
           </a:p>
           <a:p>
             <a:r>
-              <a:rPr lang="en-CA" sz="1400" dirty="0">
+              <a:rPr lang="en-CA" sz="1200" dirty="0">
                 <a:latin typeface="Courier" pitchFamily="2" charset="0"/>
               </a:rPr>
               <a:t>    |              GAL (value 13)           | TC  |1|      TTL      |</a:t>
@@ -7280,7 +7280,7 @@
           </a:p>
           <a:p>
             <a:r>
-              <a:rPr lang="en-CA" sz="1400" dirty="0">
+              <a:rPr lang="en-CA" sz="1200" dirty="0">
                 <a:latin typeface="Courier" pitchFamily="2" charset="0"/>
               </a:rPr>
               <a:t>    +-+-+-+-+-+-+-+-+-+-+-+-+-+-+-+-+-+-+-+-+-+-+-+-+-+-+-+-+-+-+-+-+</a:t>
@@ -7288,7 +7288,7 @@
           </a:p>
           <a:p>
             <a:r>
-              <a:rPr lang="en-CA" sz="1400" dirty="0">
+              <a:rPr lang="en-CA" sz="1200" dirty="0">
                 <a:latin typeface="Courier" pitchFamily="2" charset="0"/>
               </a:rPr>
               <a:t>    |0 0 0 1|Version|  Reserved     | GAL Channel Type              |</a:t>
@@ -7296,7 +7296,7 @@
           </a:p>
           <a:p>
             <a:r>
-              <a:rPr lang="en-CA" sz="1400" dirty="0">
+              <a:rPr lang="en-CA" sz="1200" dirty="0">
                 <a:latin typeface="Courier" pitchFamily="2" charset="0"/>
               </a:rPr>
               <a:t>    +-+-+-+-+-+-+-+-+-+-+-+-+-+-+-+-+-+-+-+-+-+-+-+-+-+-+-+-+-+-+-+-+</a:t>
@@ -7304,7 +7304,7 @@
           </a:p>
           <a:p>
             <a:r>
-              <a:rPr lang="en-CA" sz="1400" dirty="0">
+              <a:rPr lang="en-CA" sz="1200" dirty="0">
                 <a:latin typeface="Courier" pitchFamily="2" charset="0"/>
               </a:rPr>
               <a:t> </a:t>
@@ -7312,12 +7312,12 @@
           </a:p>
           <a:p>
             <a:r>
-              <a:rPr lang="en-CA" sz="1400" dirty="0">
+              <a:rPr lang="en-CA" sz="1200" dirty="0">
                 <a:latin typeface="Courier" pitchFamily="2" charset="0"/>
               </a:rPr>
               <a:t>                    Figure: P2MP SR-MPLS Policy</a:t>
             </a:r>
-            <a:endParaRPr lang="en-CA" sz="1400" dirty="0">
+            <a:endParaRPr lang="en-CA" sz="1200" dirty="0">
               <a:latin typeface="Courier" pitchFamily="2" charset="0"/>
               <a:cs typeface="Courier New" panose="02070309020205020404" pitchFamily="49" charset="0"/>
             </a:endParaRPr>
@@ -7377,7 +7377,7 @@
         </p:nvSpPr>
         <p:spPr>
           <a:xfrm>
-            <a:off x="461356" y="3281363"/>
+            <a:off x="457200" y="3174146"/>
             <a:ext cx="8305800" cy="1631216"/>
           </a:xfrm>
           <a:prstGeom prst="rect">
@@ -8209,7 +8209,7 @@
             </a:pPr>
             <a:r>
               <a:rPr lang="en-US" sz="1800" dirty="0"/>
-              <a:t>SR Links and end-to-end P2P/ P2MP SR Policies</a:t>
+              <a:t>SR Links and end-to-end P2P/ P2MP SR Paths</a:t>
             </a:r>
           </a:p>
           <a:p>
@@ -8404,8 +8404,8 @@
         </p:nvSpPr>
         <p:spPr>
           <a:xfrm>
-            <a:off x="647700" y="889462"/>
-            <a:ext cx="7848600" cy="3593607"/>
+            <a:off x="647700" y="742950"/>
+            <a:ext cx="7848600" cy="3886200"/>
           </a:xfrm>
         </p:spPr>
         <p:txBody>
@@ -8413,151 +8413,151 @@
           <a:lstStyle/>
           <a:p>
             <a:r>
-              <a:rPr lang="en-US" sz="1200" dirty="0"/>
+              <a:rPr lang="en-US" sz="1400" dirty="0"/>
               <a:t>Feb 14, 2018</a:t>
             </a:r>
           </a:p>
           <a:p>
             <a:pPr lvl="1"/>
             <a:r>
-              <a:rPr lang="en-US" sz="1200" dirty="0"/>
+              <a:rPr lang="en-US" sz="1400" dirty="0"/>
               <a:t>Draft was published </a:t>
             </a:r>
             <a:r>
-              <a:rPr lang="en-CA" sz="1200" i="1" dirty="0"/>
+              <a:rPr lang="en-CA" sz="1400" i="1" dirty="0"/>
               <a:t>draft-gandhi-spring-sr-mpls-pm-00</a:t>
             </a:r>
-            <a:endParaRPr lang="en-US" sz="1200" i="1" dirty="0"/>
-          </a:p>
-          <a:p>
-            <a:r>
-              <a:rPr lang="en-US" sz="1200" dirty="0"/>
+            <a:endParaRPr lang="en-US" sz="1400" i="1" dirty="0"/>
+          </a:p>
+          <a:p>
+            <a:r>
+              <a:rPr lang="en-US" sz="1400" dirty="0"/>
               <a:t>July 2018</a:t>
             </a:r>
           </a:p>
           <a:p>
             <a:pPr lvl="1"/>
             <a:r>
-              <a:rPr lang="en-US" sz="1200" dirty="0"/>
+              <a:rPr lang="en-US" sz="1400" dirty="0"/>
               <a:t>Draft </a:t>
             </a:r>
             <a:r>
-              <a:rPr lang="en-CA" sz="1200" i="1" dirty="0"/>
+              <a:rPr lang="en-CA" sz="1400" i="1" dirty="0"/>
               <a:t>draft-gandhi-spring-sr-mpls-pm-02 </a:t>
             </a:r>
             <a:r>
-              <a:rPr lang="en-US" sz="1200" dirty="0"/>
+              <a:rPr lang="en-US" sz="1400" dirty="0"/>
               <a:t>was introduced at IETF 102 Montreal in SPRING WG</a:t>
             </a:r>
           </a:p>
           <a:p>
             <a:r>
-              <a:rPr lang="en-US" sz="1200" dirty="0"/>
+              <a:rPr lang="en-US" sz="1400" dirty="0"/>
               <a:t>Nov 2018</a:t>
             </a:r>
           </a:p>
           <a:p>
             <a:pPr lvl="1"/>
             <a:r>
-              <a:rPr lang="en-US" sz="1200" dirty="0"/>
+              <a:rPr lang="en-US" sz="1400" dirty="0"/>
               <a:t>Presented </a:t>
             </a:r>
             <a:r>
-              <a:rPr lang="en-CA" sz="1200" i="1" dirty="0"/>
+              <a:rPr lang="en-CA" sz="1400" i="1" dirty="0"/>
               <a:t>draft-gandhi-spring-sr-mpls-pm-03</a:t>
             </a:r>
             <a:r>
-              <a:rPr lang="en-US" sz="1200" dirty="0"/>
+              <a:rPr lang="en-US" sz="1400" dirty="0"/>
               <a:t> at IETF 103 Bangkok in SPRING and IPPM WGs</a:t>
             </a:r>
           </a:p>
           <a:p>
             <a:r>
-              <a:rPr lang="en-US" sz="1200" dirty="0"/>
+              <a:rPr lang="en-US" sz="1400" dirty="0"/>
               <a:t>Feb 14, 2019</a:t>
             </a:r>
           </a:p>
           <a:p>
             <a:pPr lvl="1"/>
             <a:r>
-              <a:rPr lang="en-US" sz="1200" dirty="0"/>
+              <a:rPr lang="en-US" sz="1400" dirty="0"/>
               <a:t>Draft was renamed to </a:t>
             </a:r>
             <a:r>
-              <a:rPr lang="en-CA" sz="1200" i="1" dirty="0"/>
+              <a:rPr lang="en-CA" sz="1400" i="1" dirty="0"/>
               <a:t>draft-gandhi-spring-rfc6374-srpm-mpls-00</a:t>
             </a:r>
-            <a:endParaRPr lang="en-US" sz="1200" i="1" dirty="0"/>
-          </a:p>
-          <a:p>
-            <a:r>
-              <a:rPr lang="en-US" sz="1200" dirty="0"/>
+            <a:endParaRPr lang="en-US" sz="1400" i="1" dirty="0"/>
+          </a:p>
+          <a:p>
+            <a:r>
+              <a:rPr lang="en-US" sz="1400" dirty="0"/>
               <a:t>Mar 2019</a:t>
             </a:r>
           </a:p>
           <a:p>
             <a:pPr lvl="1"/>
             <a:r>
-              <a:rPr lang="en-US" sz="1200" dirty="0"/>
+              <a:rPr lang="en-US" sz="1400" dirty="0"/>
               <a:t>Presented </a:t>
             </a:r>
             <a:r>
-              <a:rPr lang="en-CA" sz="1200" i="1" dirty="0"/>
+              <a:rPr lang="en-CA" sz="1400" i="1" dirty="0"/>
               <a:t>draft-gandhi-spring-rfc6374-srpm-mpls-00 </a:t>
             </a:r>
             <a:r>
-              <a:rPr lang="en-US" sz="1200" dirty="0"/>
+              <a:rPr lang="en-US" sz="1400" dirty="0"/>
               <a:t>at IETF 104 Prague in SPRING WG</a:t>
             </a:r>
           </a:p>
           <a:p>
             <a:r>
-              <a:rPr lang="en-US" sz="1200" dirty="0"/>
+              <a:rPr lang="en-US" sz="1400" dirty="0"/>
               <a:t>Oct 2019</a:t>
             </a:r>
           </a:p>
           <a:p>
             <a:pPr lvl="1"/>
             <a:r>
-              <a:rPr lang="en-US" sz="1200" b="1" dirty="0"/>
+              <a:rPr lang="en-US" sz="1400" b="1" dirty="0"/>
               <a:t>Chairs agreed to progress the work in MPLS WG</a:t>
             </a:r>
           </a:p>
           <a:p>
             <a:pPr lvl="1"/>
             <a:r>
-              <a:rPr lang="en-US" sz="1200" dirty="0"/>
+              <a:rPr lang="en-US" sz="1400" dirty="0"/>
               <a:t>Draft renamed to </a:t>
             </a:r>
             <a:r>
-              <a:rPr lang="en-US" sz="1200" i="1" dirty="0"/>
+              <a:rPr lang="en-US" sz="1400" i="1" dirty="0"/>
               <a:t>draft-gandhi-mpls-rfc6374-sr-00</a:t>
             </a:r>
-            <a:endParaRPr lang="en-US" sz="1200" dirty="0"/>
-          </a:p>
-          <a:p>
-            <a:r>
-              <a:rPr lang="en-US" sz="1200" dirty="0"/>
+            <a:endParaRPr lang="en-US" sz="1400" dirty="0"/>
+          </a:p>
+          <a:p>
+            <a:r>
+              <a:rPr lang="en-US" sz="1400" dirty="0"/>
               <a:t>Nov 2019</a:t>
             </a:r>
           </a:p>
           <a:p>
             <a:pPr lvl="1"/>
             <a:r>
-              <a:rPr lang="en-US" sz="1200" dirty="0"/>
+              <a:rPr lang="en-US" sz="1400" dirty="0"/>
               <a:t>Presented </a:t>
             </a:r>
             <a:r>
-              <a:rPr lang="en-US" sz="1200" i="1" dirty="0"/>
+              <a:rPr lang="en-US" sz="1400" i="1" dirty="0"/>
               <a:t>draft-gandhi-mpls-rfc6374-sr-00 </a:t>
             </a:r>
             <a:r>
-              <a:rPr lang="en-US" sz="1200" dirty="0"/>
+              <a:rPr lang="en-US" sz="1400" dirty="0"/>
               <a:t>at IETF 106 Singapore in MPLS WG</a:t>
             </a:r>
           </a:p>
           <a:p>
-            <a:endParaRPr lang="en-US" sz="1200" dirty="0"/>
+            <a:endParaRPr lang="en-US" sz="1400" dirty="0"/>
           </a:p>
         </p:txBody>
       </p:sp>
@@ -9071,7 +9071,7 @@
             </a:pPr>
             <a:r>
               <a:rPr lang="en-US" sz="1800" b="1" dirty="0"/>
-              <a:t>Return Path TLV can be used from the probe query message for SR Policies</a:t>
+              <a:t>Return Path TLV can be used from the probe query message for SR Paths</a:t>
             </a:r>
           </a:p>
           <a:p>
@@ -10477,7 +10477,7 @@
               </a:spcBef>
             </a:pPr>
             <a:r>
-              <a:rPr lang="en-US" sz="2400" dirty="0">
+              <a:rPr lang="en-US" sz="2000" dirty="0">
                 <a:latin typeface="Calibri" panose="020F0502020204030204" pitchFamily="34" charset="0"/>
                 <a:cs typeface="Calibri" panose="020F0502020204030204" pitchFamily="34" charset="0"/>
               </a:rPr>
@@ -10494,7 +10494,7 @@
               </a:spcBef>
             </a:pPr>
             <a:r>
-              <a:rPr lang="en-US" sz="2400" dirty="0">
+              <a:rPr lang="en-US" sz="2000" dirty="0">
                 <a:latin typeface="Calibri" panose="020F0502020204030204" pitchFamily="34" charset="0"/>
                 <a:cs typeface="Calibri" panose="020F0502020204030204" pitchFamily="34" charset="0"/>
               </a:rPr>
@@ -10511,7 +10511,7 @@
               </a:spcBef>
             </a:pPr>
             <a:r>
-              <a:rPr lang="en-US" sz="2400" dirty="0">
+              <a:rPr lang="en-US" sz="2000" dirty="0">
                 <a:latin typeface="Calibri" panose="020F0502020204030204" pitchFamily="34" charset="0"/>
                 <a:cs typeface="Calibri" panose="020F0502020204030204" pitchFamily="34" charset="0"/>
               </a:rPr>
@@ -10527,7 +10527,7 @@
                 <a:spcPts val="600"/>
               </a:spcBef>
             </a:pPr>
-            <a:endParaRPr lang="en-US" sz="2400" dirty="0">
+            <a:endParaRPr lang="en-US" sz="2000" dirty="0">
               <a:latin typeface="Calibri" panose="020F0502020204030204" pitchFamily="34" charset="0"/>
               <a:cs typeface="Calibri" panose="020F0502020204030204" pitchFamily="34" charset="0"/>
             </a:endParaRPr>
